--- a/CS524_FinalProject_3.pptx
+++ b/CS524_FinalProject_3.pptx
@@ -5,29 +5,29 @@
     <p:sldMasterId id="2147483648" r:id="rId1"/>
   </p:sldMasterIdLst>
   <p:notesMasterIdLst>
-    <p:notesMasterId r:id="rId4"/>
+    <p:notesMasterId r:id="rId22"/>
   </p:notesMasterIdLst>
   <p:sldIdLst>
-    <p:sldId id="273" r:id="rId3"/>
-    <p:sldId id="257" r:id="rId5"/>
-    <p:sldId id="275" r:id="rId6"/>
-    <p:sldId id="296" r:id="rId7"/>
-    <p:sldId id="294" r:id="rId8"/>
-    <p:sldId id="295" r:id="rId9"/>
-    <p:sldId id="274" r:id="rId10"/>
-    <p:sldId id="258" r:id="rId11"/>
-    <p:sldId id="260" r:id="rId12"/>
-    <p:sldId id="298" r:id="rId13"/>
-    <p:sldId id="267" r:id="rId14"/>
-    <p:sldId id="271" r:id="rId15"/>
-    <p:sldId id="269" r:id="rId16"/>
-    <p:sldId id="288" r:id="rId17"/>
-    <p:sldId id="299" r:id="rId18"/>
-    <p:sldId id="272" r:id="rId19"/>
-    <p:sldId id="278" r:id="rId20"/>
-    <p:sldId id="276" r:id="rId21"/>
-    <p:sldId id="256" r:id="rId22"/>
-    <p:sldId id="297" r:id="rId23"/>
+    <p:sldId id="273" r:id="rId2"/>
+    <p:sldId id="257" r:id="rId3"/>
+    <p:sldId id="275" r:id="rId4"/>
+    <p:sldId id="296" r:id="rId5"/>
+    <p:sldId id="294" r:id="rId6"/>
+    <p:sldId id="295" r:id="rId7"/>
+    <p:sldId id="274" r:id="rId8"/>
+    <p:sldId id="258" r:id="rId9"/>
+    <p:sldId id="260" r:id="rId10"/>
+    <p:sldId id="298" r:id="rId11"/>
+    <p:sldId id="267" r:id="rId12"/>
+    <p:sldId id="271" r:id="rId13"/>
+    <p:sldId id="269" r:id="rId14"/>
+    <p:sldId id="288" r:id="rId15"/>
+    <p:sldId id="299" r:id="rId16"/>
+    <p:sldId id="272" r:id="rId17"/>
+    <p:sldId id="278" r:id="rId18"/>
+    <p:sldId id="276" r:id="rId19"/>
+    <p:sldId id="256" r:id="rId20"/>
+    <p:sldId id="297" r:id="rId21"/>
   </p:sldIdLst>
   <p:sldSz cx="12192000" cy="6858000"/>
   <p:notesSz cx="6858000" cy="9144000"/>
@@ -126,7 +126,20 @@
       </a:defRPr>
     </a:lvl9pPr>
   </p:defaultTextStyle>
+  <p:extLst>
+    <p:ext uri="{EFAFB233-063F-42B5-8137-9DF3F51BA10A}">
+      <p15:sldGuideLst xmlns:p15="http://schemas.microsoft.com/office/powerpoint/2012/main"/>
+    </p:ext>
+  </p:extLst>
 </p:presentation>
+</file>
+
+<file path=ppt/revisionInfo.xml><?xml version="1.0" encoding="utf-8"?>
+<p1510:revInfo xmlns:a="http://schemas.openxmlformats.org/drawingml/2006/main" xmlns:r="http://schemas.openxmlformats.org/officeDocument/2006/relationships" xmlns:p1510="http://schemas.microsoft.com/office/powerpoint/2015/10/main">
+  <p1510:revLst>
+    <p1510:client id="{05377C93-887D-7339-98B7-6785811D1118}" v="28" dt="2023-12-05T18:28:11.708"/>
+  </p1510:revLst>
+</p1510:revInfo>
 </file>
 
 <file path=ppt/notesMasters/notesMaster1.xml><?xml version="1.0" encoding="utf-8"?>
@@ -211,6 +224,7 @@
           <a:p>
             <a:fld id="{D1995EC9-CB6B-0848-B703-36136DFB5480}" type="datetimeFigureOut">
               <a:rPr lang="en-US" smtClean="0"/>
+              <a:t>12/5/2023</a:t>
             </a:fld>
             <a:endParaRPr lang="en-US"/>
           </a:p>
@@ -277,7 +291,6 @@
               <a:rPr lang="en-US"/>
               <a:t>Click to edit Master text styles</a:t>
             </a:r>
-            <a:endParaRPr lang="en-US"/>
           </a:p>
           <a:p>
             <a:pPr lvl="1"/>
@@ -285,7 +298,6 @@
               <a:rPr lang="en-US"/>
               <a:t>Second level</a:t>
             </a:r>
-            <a:endParaRPr lang="en-US"/>
           </a:p>
           <a:p>
             <a:pPr lvl="2"/>
@@ -293,7 +305,6 @@
               <a:rPr lang="en-US"/>
               <a:t>Third level</a:t>
             </a:r>
-            <a:endParaRPr lang="en-US"/>
           </a:p>
           <a:p>
             <a:pPr lvl="3"/>
@@ -301,7 +312,6 @@
               <a:rPr lang="en-US"/>
               <a:t>Fourth level</a:t>
             </a:r>
-            <a:endParaRPr lang="en-US"/>
           </a:p>
           <a:p>
             <a:pPr lvl="4"/>
@@ -309,7 +319,6 @@
               <a:rPr lang="en-US"/>
               <a:t>Fifth level</a:t>
             </a:r>
-            <a:endParaRPr lang="en-US"/>
           </a:p>
         </p:txBody>
       </p:sp>
@@ -373,6 +382,7 @@
           <a:p>
             <a:fld id="{8719ADBC-54BD-794F-B4D8-39777D7D426A}" type="slidenum">
               <a:rPr lang="en-US" smtClean="0"/>
+              <a:t>‹#›</a:t>
             </a:fld>
             <a:endParaRPr lang="en-US"/>
           </a:p>
@@ -524,7 +534,6 @@
               <a:rPr lang="en-US"/>
               <a:t>Good afternoon, everyone.</a:t>
             </a:r>
-            <a:endParaRPr lang="en-US"/>
           </a:p>
           <a:p>
             <a:r>
@@ -549,7 +558,6 @@
               <a:rPr lang="en-US"/>
               <a:t>Our project will explore how to use Machine Learning to Predict the Risk of Sleep Disorders Based on Individuals’ Lifestyle and Health Conditions</a:t>
             </a:r>
-            <a:endParaRPr lang="en-US"/>
           </a:p>
         </p:txBody>
       </p:sp>
@@ -570,6 +578,7 @@
           <a:p>
             <a:fld id="{8719ADBC-54BD-794F-B4D8-39777D7D426A}" type="slidenum">
               <a:rPr lang="en-US" smtClean="0"/>
+              <a:t>1</a:t>
             </a:fld>
             <a:endParaRPr lang="en-US"/>
           </a:p>
@@ -642,23 +651,8 @@
                 <a:ea typeface="宋体" pitchFamily="2" charset="-122"/>
                 <a:cs typeface="Times New Roman" panose="02020503050405090304" pitchFamily="18" charset="0"/>
               </a:rPr>
-              <a:t>Based on the </a:t>
-            </a:r>
-            <a:r>
-              <a:rPr lang="en-US">
-                <a:effectLst/>
-                <a:latin typeface="Calibri" panose="020F0502020204030204" pitchFamily="34" charset="0"/>
-                <a:ea typeface="宋体" pitchFamily="2" charset="-122"/>
-                <a:cs typeface="Times New Roman" panose="02020503050405090304" pitchFamily="18" charset="0"/>
-              </a:rPr>
-              <a:t>DAG analysis, we explored the representation of all possible features in the data and investigated their relationships with sleep disorder. We found that not all potential features are reflected in our dataset in terms of their impact on sleep disorder. Therefore, we removed some features, such as smoking and alcohol, as they did not demonstrate a significant influence on sleep disorder in our dataset." </a:t>
-            </a:r>
-            <a:endParaRPr lang="en-US">
-              <a:effectLst/>
-              <a:latin typeface="Calibri" panose="020F0502020204030204" pitchFamily="34" charset="0"/>
-              <a:ea typeface="宋体" pitchFamily="2" charset="-122"/>
-              <a:cs typeface="Times New Roman" panose="02020503050405090304" pitchFamily="18" charset="0"/>
-            </a:endParaRPr>
+              <a:t>Based on the DAG analysis, we explored the representation of all possible features in the data and investigated their relationships with sleep disorder. We found that not all potential features are reflected in our dataset in terms of their impact on sleep disorder. Therefore, we removed some features, such as smoking and alcohol, as they did not demonstrate a significant influence on sleep disorder in our dataset." </a:t>
+            </a:r>
           </a:p>
           <a:p>
             <a:pPr marL="0" marR="0">
@@ -678,12 +672,6 @@
               </a:rPr>
               <a:t>Then finally, our dataset has 16 features and 1136 entries before encoding.</a:t>
             </a:r>
-            <a:endParaRPr lang="en-US">
-              <a:effectLst/>
-              <a:latin typeface="Calibri" panose="020F0502020204030204" pitchFamily="34" charset="0"/>
-              <a:ea typeface="宋体" pitchFamily="2" charset="-122"/>
-              <a:cs typeface="Times New Roman" panose="02020503050405090304" pitchFamily="18" charset="0"/>
-            </a:endParaRPr>
           </a:p>
           <a:p>
             <a:endParaRPr lang="en-US"/>
@@ -707,6 +695,7 @@
           <a:p>
             <a:fld id="{8719ADBC-54BD-794F-B4D8-39777D7D426A}" type="slidenum">
               <a:rPr lang="en-US" smtClean="0"/>
+              <a:t>10</a:t>
             </a:fld>
             <a:endParaRPr lang="en-US"/>
           </a:p>
@@ -772,7 +761,6 @@
               <a:rPr lang="en-US"/>
               <a:t>    ACC ~72%, but more helpful to look at class-wise metrics</a:t>
             </a:r>
-            <a:endParaRPr lang="en-US"/>
           </a:p>
           <a:p>
             <a:pPr marL="285750" indent="-285750">
@@ -839,7 +827,6 @@
               <a:rPr lang="en-US"/>
               <a:t>More exploration with relevant feature selection</a:t>
             </a:r>
-            <a:endParaRPr lang="en-US"/>
           </a:p>
         </p:txBody>
       </p:sp>
@@ -860,6 +847,7 @@
           <a:p>
             <a:fld id="{8719ADBC-54BD-794F-B4D8-39777D7D426A}" type="slidenum">
               <a:rPr lang="en-US" smtClean="0"/>
+              <a:t>13</a:t>
             </a:fld>
             <a:endParaRPr lang="en-US"/>
           </a:p>
@@ -1063,6 +1051,7 @@
           <a:p>
             <a:fld id="{8719ADBC-54BD-794F-B4D8-39777D7D426A}" type="slidenum">
               <a:rPr lang="en-US" smtClean="0"/>
+              <a:t>14</a:t>
             </a:fld>
             <a:endParaRPr lang="en-US"/>
           </a:p>
@@ -1266,6 +1255,7 @@
           <a:p>
             <a:fld id="{8719ADBC-54BD-794F-B4D8-39777D7D426A}" type="slidenum">
               <a:rPr lang="en-US" smtClean="0"/>
+              <a:t>15</a:t>
             </a:fld>
             <a:endParaRPr lang="en-US"/>
           </a:p>
@@ -1357,6 +1347,7 @@
           <a:p>
             <a:fld id="{8719ADBC-54BD-794F-B4D8-39777D7D426A}" type="slidenum">
               <a:rPr lang="en-US" smtClean="0"/>
+              <a:t>19</a:t>
             </a:fld>
             <a:endParaRPr lang="en-US"/>
           </a:p>
@@ -1431,12 +1422,6 @@
               </a:rPr>
               <a:t>We started from observable external factors, many connections may not be immediately evident. For instance, how do we discern which dietary habits influence or contribute to sleep disorders? Through an extensive review of relevant literature, we found that the relationship between diet and sleep disorders is nuanced. Key factors include the blood sugar, the types of fats, and the intake of trace elements such as magnesium and iron. These findings position these internal indicators as manifestations of dietary habits, effectively serving as features within our model. </a:t>
             </a:r>
-            <a:endParaRPr lang="en-US">
-              <a:effectLst/>
-              <a:latin typeface="Calibri" panose="020F0502020204030204" pitchFamily="34" charset="0"/>
-              <a:ea typeface="宋体" pitchFamily="2" charset="-122"/>
-              <a:cs typeface="Times New Roman" panose="02020503050405090304" pitchFamily="18" charset="0"/>
-            </a:endParaRPr>
           </a:p>
           <a:p>
             <a:pPr marL="0" marR="0">
@@ -1456,12 +1441,6 @@
               </a:rPr>
               <a:t> </a:t>
             </a:r>
-            <a:endParaRPr lang="en-US">
-              <a:effectLst/>
-              <a:latin typeface="Calibri" panose="020F0502020204030204" pitchFamily="34" charset="0"/>
-              <a:ea typeface="宋体" pitchFamily="2" charset="-122"/>
-              <a:cs typeface="Times New Roman" panose="02020503050405090304" pitchFamily="18" charset="0"/>
-            </a:endParaRPr>
           </a:p>
           <a:p>
             <a:pPr marL="0" marR="0">
@@ -1481,12 +1460,6 @@
               </a:rPr>
               <a:t>Then finally, our dataset has 21 features and 3054 entries before encoding.</a:t>
             </a:r>
-            <a:endParaRPr lang="en-US">
-              <a:effectLst/>
-              <a:latin typeface="Calibri" panose="020F0502020204030204" pitchFamily="34" charset="0"/>
-              <a:ea typeface="宋体" pitchFamily="2" charset="-122"/>
-              <a:cs typeface="Times New Roman" panose="02020503050405090304" pitchFamily="18" charset="0"/>
-            </a:endParaRPr>
           </a:p>
           <a:p>
             <a:endParaRPr lang="en-US"/>
@@ -1510,6 +1483,7 @@
           <a:p>
             <a:fld id="{8719ADBC-54BD-794F-B4D8-39777D7D426A}" type="slidenum">
               <a:rPr lang="en-US" smtClean="0"/>
+              <a:t>20</a:t>
             </a:fld>
             <a:endParaRPr lang="en-US"/>
           </a:p>
@@ -1592,12 +1566,6 @@
               </a:rPr>
               <a:t>This is the Outline. And let's dive into the details of each section.</a:t>
             </a:r>
-            <a:endParaRPr lang="en-US">
-              <a:effectLst/>
-              <a:latin typeface="Calibri" panose="020F0502020204030204" pitchFamily="34" charset="0"/>
-              <a:ea typeface="宋体" pitchFamily="2" charset="-122"/>
-              <a:cs typeface="Times New Roman" panose="02020503050405090304" pitchFamily="18" charset="0"/>
-            </a:endParaRPr>
           </a:p>
         </p:txBody>
       </p:sp>
@@ -1618,6 +1586,7 @@
           <a:p>
             <a:fld id="{8719ADBC-54BD-794F-B4D8-39777D7D426A}" type="slidenum">
               <a:rPr lang="en-US" smtClean="0"/>
+              <a:t>2</a:t>
             </a:fld>
             <a:endParaRPr lang="en-US"/>
           </a:p>
@@ -1692,12 +1661,6 @@
               </a:rPr>
               <a:t>For the Project Background and Motivation, we have 3 key words:</a:t>
             </a:r>
-            <a:endParaRPr lang="en-US">
-              <a:effectLst/>
-              <a:latin typeface="Calibri" panose="020F0502020204030204" pitchFamily="34" charset="0"/>
-              <a:ea typeface="宋体" pitchFamily="2" charset="-122"/>
-              <a:cs typeface="Times New Roman" panose="02020503050405090304" pitchFamily="18" charset="0"/>
-            </a:endParaRPr>
           </a:p>
           <a:p>
             <a:pPr marL="0" marR="0">
@@ -1717,12 +1680,6 @@
               </a:rPr>
               <a:t> </a:t>
             </a:r>
-            <a:endParaRPr lang="en-US">
-              <a:effectLst/>
-              <a:latin typeface="Calibri" panose="020F0502020204030204" pitchFamily="34" charset="0"/>
-              <a:ea typeface="宋体" pitchFamily="2" charset="-122"/>
-              <a:cs typeface="Times New Roman" panose="02020503050405090304" pitchFamily="18" charset="0"/>
-            </a:endParaRPr>
           </a:p>
           <a:p>
             <a:pPr marL="0" marR="0">
@@ -1742,12 +1699,6 @@
               </a:rPr>
               <a:t>The first one is that the sleep disorder is a Pervasive Issue. </a:t>
             </a:r>
-            <a:endParaRPr lang="en-US">
-              <a:effectLst/>
-              <a:latin typeface="Calibri" panose="020F0502020204030204" pitchFamily="34" charset="0"/>
-              <a:ea typeface="宋体" pitchFamily="2" charset="-122"/>
-              <a:cs typeface="Times New Roman" panose="02020503050405090304" pitchFamily="18" charset="0"/>
-            </a:endParaRPr>
           </a:p>
           <a:p>
             <a:pPr marL="0" marR="0">
@@ -1767,12 +1718,6 @@
               </a:rPr>
               <a:t>- In the modern era, lifestyle changes have led to a surge in sleep-related issues.</a:t>
             </a:r>
-            <a:endParaRPr lang="en-US">
-              <a:effectLst/>
-              <a:latin typeface="Calibri" panose="020F0502020204030204" pitchFamily="34" charset="0"/>
-              <a:ea typeface="宋体" pitchFamily="2" charset="-122"/>
-              <a:cs typeface="Times New Roman" panose="02020503050405090304" pitchFamily="18" charset="0"/>
-            </a:endParaRPr>
           </a:p>
           <a:p>
             <a:pPr marL="0" marR="0">
@@ -1792,12 +1737,6 @@
               </a:rPr>
               <a:t>- Taking sleep apnea as an example, recent data indicates a prevalence affecting nearly 1 billion people worldwide.</a:t>
             </a:r>
-            <a:endParaRPr lang="en-US">
-              <a:effectLst/>
-              <a:latin typeface="Calibri" panose="020F0502020204030204" pitchFamily="34" charset="0"/>
-              <a:ea typeface="宋体" pitchFamily="2" charset="-122"/>
-              <a:cs typeface="Times New Roman" panose="02020503050405090304" pitchFamily="18" charset="0"/>
-            </a:endParaRPr>
           </a:p>
           <a:p>
             <a:pPr marL="0" marR="0">
@@ -1817,12 +1756,6 @@
               </a:rPr>
               <a:t> </a:t>
             </a:r>
-            <a:endParaRPr lang="en-US">
-              <a:effectLst/>
-              <a:latin typeface="Calibri" panose="020F0502020204030204" pitchFamily="34" charset="0"/>
-              <a:ea typeface="宋体" pitchFamily="2" charset="-122"/>
-              <a:cs typeface="Times New Roman" panose="02020503050405090304" pitchFamily="18" charset="0"/>
-            </a:endParaRPr>
           </a:p>
           <a:p>
             <a:pPr marL="0" marR="0">
@@ -1842,12 +1775,6 @@
               </a:rPr>
               <a:t>The second one is that Sleep disorders can have grave consequences on physical and mental well-being.</a:t>
             </a:r>
-            <a:endParaRPr lang="en-US">
-              <a:effectLst/>
-              <a:latin typeface="Calibri" panose="020F0502020204030204" pitchFamily="34" charset="0"/>
-              <a:ea typeface="宋体" pitchFamily="2" charset="-122"/>
-              <a:cs typeface="Times New Roman" panose="02020503050405090304" pitchFamily="18" charset="0"/>
-            </a:endParaRPr>
           </a:p>
           <a:p>
             <a:pPr marL="0" marR="0">
@@ -1867,12 +1794,6 @@
               </a:rPr>
               <a:t>- Conditions like depression,  and an increased risk of chronic diseases.</a:t>
             </a:r>
-            <a:endParaRPr lang="en-US">
-              <a:effectLst/>
-              <a:latin typeface="Calibri" panose="020F0502020204030204" pitchFamily="34" charset="0"/>
-              <a:ea typeface="宋体" pitchFamily="2" charset="-122"/>
-              <a:cs typeface="Times New Roman" panose="02020503050405090304" pitchFamily="18" charset="0"/>
-            </a:endParaRPr>
           </a:p>
           <a:p>
             <a:pPr marL="0" marR="0">
@@ -1892,12 +1813,6 @@
               </a:rPr>
               <a:t> </a:t>
             </a:r>
-            <a:endParaRPr lang="en-US">
-              <a:effectLst/>
-              <a:latin typeface="Calibri" panose="020F0502020204030204" pitchFamily="34" charset="0"/>
-              <a:ea typeface="宋体" pitchFamily="2" charset="-122"/>
-              <a:cs typeface="Times New Roman" panose="02020503050405090304" pitchFamily="18" charset="0"/>
-            </a:endParaRPr>
           </a:p>
           <a:p>
             <a:pPr marL="0" marR="0">
@@ -1917,12 +1832,6 @@
               </a:rPr>
               <a:t>The last one is there's untapped potential in research, because Current research on sleep disorders mainly focuses on examining the linear impact of one of individual features on the occurrence of sleep disorders. However, there is a notable scarcity of studies that integrate multiple features of an individual to predict the risk of sleep disorders comprehensively</a:t>
             </a:r>
-            <a:endParaRPr lang="en-US">
-              <a:effectLst/>
-              <a:latin typeface="Calibri" panose="020F0502020204030204" pitchFamily="34" charset="0"/>
-              <a:ea typeface="宋体" pitchFamily="2" charset="-122"/>
-              <a:cs typeface="Times New Roman" panose="02020503050405090304" pitchFamily="18" charset="0"/>
-            </a:endParaRPr>
           </a:p>
           <a:p>
             <a:pPr marL="0" marR="0" lvl="0" indent="0" algn="l" defTabSz="914400" rtl="0" eaLnBrk="1" fontAlgn="auto" latinLnBrk="0" hangingPunct="1">
@@ -1965,6 +1874,7 @@
           <a:p>
             <a:fld id="{8719ADBC-54BD-794F-B4D8-39777D7D426A}" type="slidenum">
               <a:rPr lang="en-US" smtClean="0"/>
+              <a:t>3</a:t>
             </a:fld>
             <a:endParaRPr lang="en-US"/>
           </a:p>
@@ -2039,12 +1949,6 @@
               </a:rPr>
               <a:t>For the Project Background and Motivation, we have 3 key words:</a:t>
             </a:r>
-            <a:endParaRPr lang="en-US">
-              <a:effectLst/>
-              <a:latin typeface="Calibri" panose="020F0502020204030204" pitchFamily="34" charset="0"/>
-              <a:ea typeface="宋体" pitchFamily="2" charset="-122"/>
-              <a:cs typeface="Times New Roman" panose="02020503050405090304" pitchFamily="18" charset="0"/>
-            </a:endParaRPr>
           </a:p>
           <a:p>
             <a:pPr marL="0" marR="0">
@@ -2064,12 +1968,6 @@
               </a:rPr>
               <a:t> </a:t>
             </a:r>
-            <a:endParaRPr lang="en-US">
-              <a:effectLst/>
-              <a:latin typeface="Calibri" panose="020F0502020204030204" pitchFamily="34" charset="0"/>
-              <a:ea typeface="宋体" pitchFamily="2" charset="-122"/>
-              <a:cs typeface="Times New Roman" panose="02020503050405090304" pitchFamily="18" charset="0"/>
-            </a:endParaRPr>
           </a:p>
           <a:p>
             <a:pPr marL="0" marR="0">
@@ -2089,12 +1987,6 @@
               </a:rPr>
               <a:t>The first one is that the sleep disorder is a Pervasive Issue. </a:t>
             </a:r>
-            <a:endParaRPr lang="en-US">
-              <a:effectLst/>
-              <a:latin typeface="Calibri" panose="020F0502020204030204" pitchFamily="34" charset="0"/>
-              <a:ea typeface="宋体" pitchFamily="2" charset="-122"/>
-              <a:cs typeface="Times New Roman" panose="02020503050405090304" pitchFamily="18" charset="0"/>
-            </a:endParaRPr>
           </a:p>
           <a:p>
             <a:pPr marL="0" marR="0">
@@ -2114,12 +2006,6 @@
               </a:rPr>
               <a:t>- In the modern era, lifestyle changes have led to a surge in sleep-related issues.</a:t>
             </a:r>
-            <a:endParaRPr lang="en-US">
-              <a:effectLst/>
-              <a:latin typeface="Calibri" panose="020F0502020204030204" pitchFamily="34" charset="0"/>
-              <a:ea typeface="宋体" pitchFamily="2" charset="-122"/>
-              <a:cs typeface="Times New Roman" panose="02020503050405090304" pitchFamily="18" charset="0"/>
-            </a:endParaRPr>
           </a:p>
           <a:p>
             <a:pPr marL="0" marR="0">
@@ -2139,12 +2025,6 @@
               </a:rPr>
               <a:t>- Taking sleep apnea as an example, recent data indicates a prevalence affecting nearly 1 billion people worldwide.</a:t>
             </a:r>
-            <a:endParaRPr lang="en-US">
-              <a:effectLst/>
-              <a:latin typeface="Calibri" panose="020F0502020204030204" pitchFamily="34" charset="0"/>
-              <a:ea typeface="宋体" pitchFamily="2" charset="-122"/>
-              <a:cs typeface="Times New Roman" panose="02020503050405090304" pitchFamily="18" charset="0"/>
-            </a:endParaRPr>
           </a:p>
           <a:p>
             <a:pPr marL="0" marR="0">
@@ -2164,12 +2044,6 @@
               </a:rPr>
               <a:t> </a:t>
             </a:r>
-            <a:endParaRPr lang="en-US">
-              <a:effectLst/>
-              <a:latin typeface="Calibri" panose="020F0502020204030204" pitchFamily="34" charset="0"/>
-              <a:ea typeface="宋体" pitchFamily="2" charset="-122"/>
-              <a:cs typeface="Times New Roman" panose="02020503050405090304" pitchFamily="18" charset="0"/>
-            </a:endParaRPr>
           </a:p>
           <a:p>
             <a:pPr marL="0" marR="0">
@@ -2189,12 +2063,6 @@
               </a:rPr>
               <a:t>The second one is that Sleep disorders can have grave consequences on physical and mental well-being.</a:t>
             </a:r>
-            <a:endParaRPr lang="en-US">
-              <a:effectLst/>
-              <a:latin typeface="Calibri" panose="020F0502020204030204" pitchFamily="34" charset="0"/>
-              <a:ea typeface="宋体" pitchFamily="2" charset="-122"/>
-              <a:cs typeface="Times New Roman" panose="02020503050405090304" pitchFamily="18" charset="0"/>
-            </a:endParaRPr>
           </a:p>
           <a:p>
             <a:pPr marL="0" marR="0">
@@ -2214,12 +2082,6 @@
               </a:rPr>
               <a:t>- Conditions like depression,  and an increased risk of chronic diseases.</a:t>
             </a:r>
-            <a:endParaRPr lang="en-US">
-              <a:effectLst/>
-              <a:latin typeface="Calibri" panose="020F0502020204030204" pitchFamily="34" charset="0"/>
-              <a:ea typeface="宋体" pitchFamily="2" charset="-122"/>
-              <a:cs typeface="Times New Roman" panose="02020503050405090304" pitchFamily="18" charset="0"/>
-            </a:endParaRPr>
           </a:p>
           <a:p>
             <a:pPr marL="0" marR="0">
@@ -2239,12 +2101,6 @@
               </a:rPr>
               <a:t> </a:t>
             </a:r>
-            <a:endParaRPr lang="en-US">
-              <a:effectLst/>
-              <a:latin typeface="Calibri" panose="020F0502020204030204" pitchFamily="34" charset="0"/>
-              <a:ea typeface="宋体" pitchFamily="2" charset="-122"/>
-              <a:cs typeface="Times New Roman" panose="02020503050405090304" pitchFamily="18" charset="0"/>
-            </a:endParaRPr>
           </a:p>
           <a:p>
             <a:pPr marL="0" marR="0">
@@ -2264,12 +2120,6 @@
               </a:rPr>
               <a:t>The last one is there's untapped potential in research, because Current research on sleep disorders mainly focuses on examining the linear impact of one of individual features on the occurrence of sleep disorders. However, there is a notable scarcity of studies that integrate multiple features of an individual to predict the risk of sleep disorders comprehensively</a:t>
             </a:r>
-            <a:endParaRPr lang="en-US">
-              <a:effectLst/>
-              <a:latin typeface="Calibri" panose="020F0502020204030204" pitchFamily="34" charset="0"/>
-              <a:ea typeface="宋体" pitchFamily="2" charset="-122"/>
-              <a:cs typeface="Times New Roman" panose="02020503050405090304" pitchFamily="18" charset="0"/>
-            </a:endParaRPr>
           </a:p>
           <a:p>
             <a:pPr marL="0" marR="0" lvl="0" indent="0" algn="l" defTabSz="914400" rtl="0" eaLnBrk="1" fontAlgn="auto" latinLnBrk="0" hangingPunct="1">
@@ -2312,6 +2162,7 @@
           <a:p>
             <a:fld id="{8719ADBC-54BD-794F-B4D8-39777D7D426A}" type="slidenum">
               <a:rPr lang="en-US" smtClean="0"/>
+              <a:t>4</a:t>
             </a:fld>
             <a:endParaRPr lang="en-US"/>
           </a:p>
@@ -2386,12 +2237,6 @@
               </a:rPr>
               <a:t>For the Project Background and Motivation, we have 3 key words:</a:t>
             </a:r>
-            <a:endParaRPr lang="en-US">
-              <a:effectLst/>
-              <a:latin typeface="Calibri" panose="020F0502020204030204" pitchFamily="34" charset="0"/>
-              <a:ea typeface="宋体" pitchFamily="2" charset="-122"/>
-              <a:cs typeface="Times New Roman" panose="02020503050405090304" pitchFamily="18" charset="0"/>
-            </a:endParaRPr>
           </a:p>
           <a:p>
             <a:pPr marL="0" marR="0">
@@ -2411,12 +2256,6 @@
               </a:rPr>
               <a:t> </a:t>
             </a:r>
-            <a:endParaRPr lang="en-US">
-              <a:effectLst/>
-              <a:latin typeface="Calibri" panose="020F0502020204030204" pitchFamily="34" charset="0"/>
-              <a:ea typeface="宋体" pitchFamily="2" charset="-122"/>
-              <a:cs typeface="Times New Roman" panose="02020503050405090304" pitchFamily="18" charset="0"/>
-            </a:endParaRPr>
           </a:p>
           <a:p>
             <a:pPr marL="0" marR="0">
@@ -2436,12 +2275,6 @@
               </a:rPr>
               <a:t>The first one is that the sleep disorder is a Pervasive Issue. </a:t>
             </a:r>
-            <a:endParaRPr lang="en-US">
-              <a:effectLst/>
-              <a:latin typeface="Calibri" panose="020F0502020204030204" pitchFamily="34" charset="0"/>
-              <a:ea typeface="宋体" pitchFamily="2" charset="-122"/>
-              <a:cs typeface="Times New Roman" panose="02020503050405090304" pitchFamily="18" charset="0"/>
-            </a:endParaRPr>
           </a:p>
           <a:p>
             <a:pPr marL="0" marR="0">
@@ -2461,12 +2294,6 @@
               </a:rPr>
               <a:t>- In the modern era, lifestyle changes have led to a surge in sleep-related issues.</a:t>
             </a:r>
-            <a:endParaRPr lang="en-US">
-              <a:effectLst/>
-              <a:latin typeface="Calibri" panose="020F0502020204030204" pitchFamily="34" charset="0"/>
-              <a:ea typeface="宋体" pitchFamily="2" charset="-122"/>
-              <a:cs typeface="Times New Roman" panose="02020503050405090304" pitchFamily="18" charset="0"/>
-            </a:endParaRPr>
           </a:p>
           <a:p>
             <a:pPr marL="0" marR="0">
@@ -2486,12 +2313,6 @@
               </a:rPr>
               <a:t>- Taking sleep apnea as an example, recent data indicates a prevalence affecting nearly 1 billion people worldwide.</a:t>
             </a:r>
-            <a:endParaRPr lang="en-US">
-              <a:effectLst/>
-              <a:latin typeface="Calibri" panose="020F0502020204030204" pitchFamily="34" charset="0"/>
-              <a:ea typeface="宋体" pitchFamily="2" charset="-122"/>
-              <a:cs typeface="Times New Roman" panose="02020503050405090304" pitchFamily="18" charset="0"/>
-            </a:endParaRPr>
           </a:p>
           <a:p>
             <a:pPr marL="0" marR="0">
@@ -2511,12 +2332,6 @@
               </a:rPr>
               <a:t> </a:t>
             </a:r>
-            <a:endParaRPr lang="en-US">
-              <a:effectLst/>
-              <a:latin typeface="Calibri" panose="020F0502020204030204" pitchFamily="34" charset="0"/>
-              <a:ea typeface="宋体" pitchFamily="2" charset="-122"/>
-              <a:cs typeface="Times New Roman" panose="02020503050405090304" pitchFamily="18" charset="0"/>
-            </a:endParaRPr>
           </a:p>
           <a:p>
             <a:pPr marL="0" marR="0">
@@ -2536,12 +2351,6 @@
               </a:rPr>
               <a:t>The second one is that Sleep disorders can have grave consequences on physical and mental well-being.</a:t>
             </a:r>
-            <a:endParaRPr lang="en-US">
-              <a:effectLst/>
-              <a:latin typeface="Calibri" panose="020F0502020204030204" pitchFamily="34" charset="0"/>
-              <a:ea typeface="宋体" pitchFamily="2" charset="-122"/>
-              <a:cs typeface="Times New Roman" panose="02020503050405090304" pitchFamily="18" charset="0"/>
-            </a:endParaRPr>
           </a:p>
           <a:p>
             <a:pPr marL="0" marR="0">
@@ -2561,12 +2370,6 @@
               </a:rPr>
               <a:t>- Conditions like depression,  and an increased risk of chronic diseases.</a:t>
             </a:r>
-            <a:endParaRPr lang="en-US">
-              <a:effectLst/>
-              <a:latin typeface="Calibri" panose="020F0502020204030204" pitchFamily="34" charset="0"/>
-              <a:ea typeface="宋体" pitchFamily="2" charset="-122"/>
-              <a:cs typeface="Times New Roman" panose="02020503050405090304" pitchFamily="18" charset="0"/>
-            </a:endParaRPr>
           </a:p>
           <a:p>
             <a:pPr marL="0" marR="0">
@@ -2586,12 +2389,6 @@
               </a:rPr>
               <a:t> </a:t>
             </a:r>
-            <a:endParaRPr lang="en-US">
-              <a:effectLst/>
-              <a:latin typeface="Calibri" panose="020F0502020204030204" pitchFamily="34" charset="0"/>
-              <a:ea typeface="宋体" pitchFamily="2" charset="-122"/>
-              <a:cs typeface="Times New Roman" panose="02020503050405090304" pitchFamily="18" charset="0"/>
-            </a:endParaRPr>
           </a:p>
           <a:p>
             <a:pPr marL="0" marR="0">
@@ -2611,12 +2408,6 @@
               </a:rPr>
               <a:t>The last one is there's untapped potential in research, because Current research on sleep disorders mainly focuses on examining the linear impact of one of individual features on the occurrence of sleep disorders. However, there is a notable scarcity of studies that integrate multiple features of an individual to predict the risk of sleep disorders comprehensively</a:t>
             </a:r>
-            <a:endParaRPr lang="en-US">
-              <a:effectLst/>
-              <a:latin typeface="Calibri" panose="020F0502020204030204" pitchFamily="34" charset="0"/>
-              <a:ea typeface="宋体" pitchFamily="2" charset="-122"/>
-              <a:cs typeface="Times New Roman" panose="02020503050405090304" pitchFamily="18" charset="0"/>
-            </a:endParaRPr>
           </a:p>
           <a:p>
             <a:pPr marL="0" marR="0" lvl="0" indent="0" algn="l" defTabSz="914400" rtl="0" eaLnBrk="1" fontAlgn="auto" latinLnBrk="0" hangingPunct="1">
@@ -2659,6 +2450,7 @@
           <a:p>
             <a:fld id="{8719ADBC-54BD-794F-B4D8-39777D7D426A}" type="slidenum">
               <a:rPr lang="en-US" smtClean="0"/>
+              <a:t>5</a:t>
             </a:fld>
             <a:endParaRPr lang="en-US"/>
           </a:p>
@@ -2733,12 +2525,6 @@
               </a:rPr>
               <a:t>For the Project Background and Motivation, we have 3 key words:</a:t>
             </a:r>
-            <a:endParaRPr lang="en-US">
-              <a:effectLst/>
-              <a:latin typeface="Calibri" panose="020F0502020204030204" pitchFamily="34" charset="0"/>
-              <a:ea typeface="宋体" pitchFamily="2" charset="-122"/>
-              <a:cs typeface="Times New Roman" panose="02020503050405090304" pitchFamily="18" charset="0"/>
-            </a:endParaRPr>
           </a:p>
           <a:p>
             <a:pPr marL="0" marR="0">
@@ -2758,12 +2544,6 @@
               </a:rPr>
               <a:t> </a:t>
             </a:r>
-            <a:endParaRPr lang="en-US">
-              <a:effectLst/>
-              <a:latin typeface="Calibri" panose="020F0502020204030204" pitchFamily="34" charset="0"/>
-              <a:ea typeface="宋体" pitchFamily="2" charset="-122"/>
-              <a:cs typeface="Times New Roman" panose="02020503050405090304" pitchFamily="18" charset="0"/>
-            </a:endParaRPr>
           </a:p>
           <a:p>
             <a:pPr marL="0" marR="0">
@@ -2783,12 +2563,6 @@
               </a:rPr>
               <a:t>The first one is that the sleep disorder is a Pervasive Issue. </a:t>
             </a:r>
-            <a:endParaRPr lang="en-US">
-              <a:effectLst/>
-              <a:latin typeface="Calibri" panose="020F0502020204030204" pitchFamily="34" charset="0"/>
-              <a:ea typeface="宋体" pitchFamily="2" charset="-122"/>
-              <a:cs typeface="Times New Roman" panose="02020503050405090304" pitchFamily="18" charset="0"/>
-            </a:endParaRPr>
           </a:p>
           <a:p>
             <a:pPr marL="0" marR="0">
@@ -2808,12 +2582,6 @@
               </a:rPr>
               <a:t>- In the modern era, lifestyle changes have led to a surge in sleep-related issues.</a:t>
             </a:r>
-            <a:endParaRPr lang="en-US">
-              <a:effectLst/>
-              <a:latin typeface="Calibri" panose="020F0502020204030204" pitchFamily="34" charset="0"/>
-              <a:ea typeface="宋体" pitchFamily="2" charset="-122"/>
-              <a:cs typeface="Times New Roman" panose="02020503050405090304" pitchFamily="18" charset="0"/>
-            </a:endParaRPr>
           </a:p>
           <a:p>
             <a:pPr marL="0" marR="0">
@@ -2833,12 +2601,6 @@
               </a:rPr>
               <a:t>- Taking sleep apnea as an example, recent data indicates a prevalence affecting nearly 1 billion people worldwide.</a:t>
             </a:r>
-            <a:endParaRPr lang="en-US">
-              <a:effectLst/>
-              <a:latin typeface="Calibri" panose="020F0502020204030204" pitchFamily="34" charset="0"/>
-              <a:ea typeface="宋体" pitchFamily="2" charset="-122"/>
-              <a:cs typeface="Times New Roman" panose="02020503050405090304" pitchFamily="18" charset="0"/>
-            </a:endParaRPr>
           </a:p>
           <a:p>
             <a:pPr marL="0" marR="0">
@@ -2858,12 +2620,6 @@
               </a:rPr>
               <a:t> </a:t>
             </a:r>
-            <a:endParaRPr lang="en-US">
-              <a:effectLst/>
-              <a:latin typeface="Calibri" panose="020F0502020204030204" pitchFamily="34" charset="0"/>
-              <a:ea typeface="宋体" pitchFamily="2" charset="-122"/>
-              <a:cs typeface="Times New Roman" panose="02020503050405090304" pitchFamily="18" charset="0"/>
-            </a:endParaRPr>
           </a:p>
           <a:p>
             <a:pPr marL="0" marR="0">
@@ -2883,12 +2639,6 @@
               </a:rPr>
               <a:t>The second one is that Sleep disorders can have grave consequences on physical and mental well-being.</a:t>
             </a:r>
-            <a:endParaRPr lang="en-US">
-              <a:effectLst/>
-              <a:latin typeface="Calibri" panose="020F0502020204030204" pitchFamily="34" charset="0"/>
-              <a:ea typeface="宋体" pitchFamily="2" charset="-122"/>
-              <a:cs typeface="Times New Roman" panose="02020503050405090304" pitchFamily="18" charset="0"/>
-            </a:endParaRPr>
           </a:p>
           <a:p>
             <a:pPr marL="0" marR="0">
@@ -2908,12 +2658,6 @@
               </a:rPr>
               <a:t>- Conditions like depression,  and an increased risk of chronic diseases.</a:t>
             </a:r>
-            <a:endParaRPr lang="en-US">
-              <a:effectLst/>
-              <a:latin typeface="Calibri" panose="020F0502020204030204" pitchFamily="34" charset="0"/>
-              <a:ea typeface="宋体" pitchFamily="2" charset="-122"/>
-              <a:cs typeface="Times New Roman" panose="02020503050405090304" pitchFamily="18" charset="0"/>
-            </a:endParaRPr>
           </a:p>
           <a:p>
             <a:pPr marL="0" marR="0">
@@ -2933,12 +2677,6 @@
               </a:rPr>
               <a:t> </a:t>
             </a:r>
-            <a:endParaRPr lang="en-US">
-              <a:effectLst/>
-              <a:latin typeface="Calibri" panose="020F0502020204030204" pitchFamily="34" charset="0"/>
-              <a:ea typeface="宋体" pitchFamily="2" charset="-122"/>
-              <a:cs typeface="Times New Roman" panose="02020503050405090304" pitchFamily="18" charset="0"/>
-            </a:endParaRPr>
           </a:p>
           <a:p>
             <a:pPr marL="0" marR="0">
@@ -2958,12 +2696,6 @@
               </a:rPr>
               <a:t>The last one is there's untapped potential in research, because Current research on sleep disorders mainly focuses on examining the linear impact of one of individual features on the occurrence of sleep disorders. However, there is a notable scarcity of studies that integrate multiple features of an individual to predict the risk of sleep disorders comprehensively</a:t>
             </a:r>
-            <a:endParaRPr lang="en-US">
-              <a:effectLst/>
-              <a:latin typeface="Calibri" panose="020F0502020204030204" pitchFamily="34" charset="0"/>
-              <a:ea typeface="宋体" pitchFamily="2" charset="-122"/>
-              <a:cs typeface="Times New Roman" panose="02020503050405090304" pitchFamily="18" charset="0"/>
-            </a:endParaRPr>
           </a:p>
           <a:p>
             <a:pPr marL="0" marR="0" lvl="0" indent="0" algn="l" defTabSz="914400" rtl="0" eaLnBrk="1" fontAlgn="auto" latinLnBrk="0" hangingPunct="1">
@@ -3006,6 +2738,7 @@
           <a:p>
             <a:fld id="{8719ADBC-54BD-794F-B4D8-39777D7D426A}" type="slidenum">
               <a:rPr lang="en-US" smtClean="0"/>
+              <a:t>6</a:t>
             </a:fld>
             <a:endParaRPr lang="en-US"/>
           </a:p>
@@ -3080,12 +2813,6 @@
               </a:rPr>
               <a:t>So,</a:t>
             </a:r>
-            <a:endParaRPr lang="en-US">
-              <a:effectLst/>
-              <a:latin typeface="Calibri" panose="020F0502020204030204" pitchFamily="34" charset="0"/>
-              <a:ea typeface="宋体" pitchFamily="2" charset="-122"/>
-              <a:cs typeface="Times New Roman" panose="02020503050405090304" pitchFamily="18" charset="0"/>
-            </a:endParaRPr>
           </a:p>
           <a:p>
             <a:pPr marL="0" marR="0">
@@ -3105,12 +2832,6 @@
               </a:rPr>
               <a:t>- Our research aims to consider the intricate combination of lifestyle and health conditions.</a:t>
             </a:r>
-            <a:endParaRPr lang="en-US">
-              <a:effectLst/>
-              <a:latin typeface="Calibri" panose="020F0502020204030204" pitchFamily="34" charset="0"/>
-              <a:ea typeface="宋体" pitchFamily="2" charset="-122"/>
-              <a:cs typeface="Times New Roman" panose="02020503050405090304" pitchFamily="18" charset="0"/>
-            </a:endParaRPr>
           </a:p>
           <a:p>
             <a:pPr marL="0" marR="0">
@@ -3130,12 +2851,6 @@
               </a:rPr>
               <a:t>- Develop a machine learning model for early prediction and intervention in sleep disorders.</a:t>
             </a:r>
-            <a:endParaRPr lang="en-US">
-              <a:effectLst/>
-              <a:latin typeface="Calibri" panose="020F0502020204030204" pitchFamily="34" charset="0"/>
-              <a:ea typeface="宋体" pitchFamily="2" charset="-122"/>
-              <a:cs typeface="Times New Roman" panose="02020503050405090304" pitchFamily="18" charset="0"/>
-            </a:endParaRPr>
           </a:p>
           <a:p>
             <a:endParaRPr lang="en-US"/>
@@ -3159,6 +2874,7 @@
           <a:p>
             <a:fld id="{8719ADBC-54BD-794F-B4D8-39777D7D426A}" type="slidenum">
               <a:rPr lang="en-US" smtClean="0"/>
+              <a:t>7</a:t>
             </a:fld>
             <a:endParaRPr lang="en-US"/>
           </a:p>
@@ -3233,12 +2949,6 @@
               </a:rPr>
               <a:t>For Dataset, we utilized the National Health and Nutrition Examination Survey (NHANES) 2015-2016 and 2017-2018.</a:t>
             </a:r>
-            <a:endParaRPr lang="en-US">
-              <a:effectLst/>
-              <a:latin typeface="Calibri" panose="020F0502020204030204" pitchFamily="34" charset="0"/>
-              <a:ea typeface="宋体" pitchFamily="2" charset="-122"/>
-              <a:cs typeface="Times New Roman" panose="02020503050405090304" pitchFamily="18" charset="0"/>
-            </a:endParaRPr>
           </a:p>
           <a:p>
             <a:pPr marL="0" marR="0">
@@ -3258,12 +2968,6 @@
               </a:rPr>
               <a:t> </a:t>
             </a:r>
-            <a:endParaRPr lang="en-US">
-              <a:effectLst/>
-              <a:latin typeface="Calibri" panose="020F0502020204030204" pitchFamily="34" charset="0"/>
-              <a:ea typeface="宋体" pitchFamily="2" charset="-122"/>
-              <a:cs typeface="Times New Roman" panose="02020503050405090304" pitchFamily="18" charset="0"/>
-            </a:endParaRPr>
           </a:p>
           <a:p>
             <a:pPr marL="0" marR="0">
@@ -3283,12 +2987,6 @@
               </a:rPr>
               <a:t>How to define the “sleep disorders” labels?</a:t>
             </a:r>
-            <a:endParaRPr lang="en-US">
-              <a:effectLst/>
-              <a:latin typeface="Calibri" panose="020F0502020204030204" pitchFamily="34" charset="0"/>
-              <a:ea typeface="宋体" pitchFamily="2" charset="-122"/>
-              <a:cs typeface="Times New Roman" panose="02020503050405090304" pitchFamily="18" charset="0"/>
-            </a:endParaRPr>
           </a:p>
           <a:p>
             <a:pPr marL="0" marR="0">
@@ -3308,12 +3006,6 @@
               </a:rPr>
               <a:t>There are more than 8 major categories for sleep disorders and We will only  focus on “The insomnias, The sleep-related breathing disorders” these two more public categories, which correspond to our questionnaire questions: “Ever told a doctor you had trouble sleeping?”, “How often do you snort or stop breathing?”. An individual who does not categorize in the items above is labeled as a negative case of sleep disorder. Others are all positive.</a:t>
             </a:r>
-            <a:endParaRPr lang="en-US">
-              <a:effectLst/>
-              <a:latin typeface="Calibri" panose="020F0502020204030204" pitchFamily="34" charset="0"/>
-              <a:ea typeface="宋体" pitchFamily="2" charset="-122"/>
-              <a:cs typeface="Times New Roman" panose="02020503050405090304" pitchFamily="18" charset="0"/>
-            </a:endParaRPr>
           </a:p>
           <a:p>
             <a:br>
@@ -3340,6 +3032,7 @@
           <a:p>
             <a:fld id="{8719ADBC-54BD-794F-B4D8-39777D7D426A}" type="slidenum">
               <a:rPr lang="en-US" smtClean="0"/>
+              <a:t>8</a:t>
             </a:fld>
             <a:endParaRPr lang="en-US"/>
           </a:p>
@@ -3414,12 +3107,6 @@
               </a:rPr>
               <a:t>We started from observable external factors, many connections may not be immediately evident. For instance, how do we discern which dietary habits influence or contribute to sleep disorders? Through an extensive review of relevant literature, we found that the relationship between diet and sleep disorders is nuanced. Key factors include the blood sugar, the types of fats, and the intake of trace elements such as magnesium and iron. These findings position these internal indicators as manifestations of dietary habits, effectively serving as features within our model. </a:t>
             </a:r>
-            <a:endParaRPr lang="en-US">
-              <a:effectLst/>
-              <a:latin typeface="Calibri" panose="020F0502020204030204" pitchFamily="34" charset="0"/>
-              <a:ea typeface="宋体" pitchFamily="2" charset="-122"/>
-              <a:cs typeface="Times New Roman" panose="02020503050405090304" pitchFamily="18" charset="0"/>
-            </a:endParaRPr>
           </a:p>
           <a:p>
             <a:pPr marL="0" marR="0">
@@ -3439,12 +3126,6 @@
               </a:rPr>
               <a:t> </a:t>
             </a:r>
-            <a:endParaRPr lang="en-US">
-              <a:effectLst/>
-              <a:latin typeface="Calibri" panose="020F0502020204030204" pitchFamily="34" charset="0"/>
-              <a:ea typeface="宋体" pitchFamily="2" charset="-122"/>
-              <a:cs typeface="Times New Roman" panose="02020503050405090304" pitchFamily="18" charset="0"/>
-            </a:endParaRPr>
           </a:p>
           <a:p>
             <a:pPr marL="0" marR="0">
@@ -3464,12 +3145,6 @@
               </a:rPr>
               <a:t>Then finally, our dataset has 21 features and 3054 entries before encoding.</a:t>
             </a:r>
-            <a:endParaRPr lang="en-US">
-              <a:effectLst/>
-              <a:latin typeface="Calibri" panose="020F0502020204030204" pitchFamily="34" charset="0"/>
-              <a:ea typeface="宋体" pitchFamily="2" charset="-122"/>
-              <a:cs typeface="Times New Roman" panose="02020503050405090304" pitchFamily="18" charset="0"/>
-            </a:endParaRPr>
           </a:p>
           <a:p>
             <a:endParaRPr lang="en-US"/>
@@ -3493,6 +3168,7 @@
           <a:p>
             <a:fld id="{8719ADBC-54BD-794F-B4D8-39777D7D426A}" type="slidenum">
               <a:rPr lang="en-US" smtClean="0"/>
+              <a:t>9</a:t>
             </a:fld>
             <a:endParaRPr lang="en-US"/>
           </a:p>
@@ -3551,7 +3227,6 @@
               <a:rPr lang="en-US"/>
               <a:t>Click to edit Master title style</a:t>
             </a:r>
-            <a:endParaRPr lang="en-US"/>
           </a:p>
         </p:txBody>
       </p:sp>
@@ -3616,7 +3291,6 @@
               <a:rPr lang="en-US"/>
               <a:t>Click to edit Master subtitle style</a:t>
             </a:r>
-            <a:endParaRPr lang="en-US"/>
           </a:p>
         </p:txBody>
       </p:sp>
@@ -3637,6 +3311,7 @@
           <a:p>
             <a:fld id="{7100977B-A811-F342-9EDB-261CF5B9C3C0}" type="datetimeFigureOut">
               <a:rPr lang="en-US" smtClean="0"/>
+              <a:t>12/5/2023</a:t>
             </a:fld>
             <a:endParaRPr lang="en-US"/>
           </a:p>
@@ -3678,6 +3353,7 @@
           <a:p>
             <a:fld id="{A212E537-7B8B-EC4D-B8A0-9AC733BFE404}" type="slidenum">
               <a:rPr lang="en-US" smtClean="0"/>
+              <a:t>‹#›</a:t>
             </a:fld>
             <a:endParaRPr lang="en-US"/>
           </a:p>
@@ -3727,7 +3403,6 @@
               <a:rPr lang="en-US"/>
               <a:t>Click to edit Master title style</a:t>
             </a:r>
-            <a:endParaRPr lang="en-US"/>
           </a:p>
         </p:txBody>
       </p:sp>
@@ -3751,7 +3426,6 @@
               <a:rPr lang="en-US"/>
               <a:t>Click to edit Master text styles</a:t>
             </a:r>
-            <a:endParaRPr lang="en-US"/>
           </a:p>
           <a:p>
             <a:pPr lvl="1"/>
@@ -3759,7 +3433,6 @@
               <a:rPr lang="en-US"/>
               <a:t>Second level</a:t>
             </a:r>
-            <a:endParaRPr lang="en-US"/>
           </a:p>
           <a:p>
             <a:pPr lvl="2"/>
@@ -3767,7 +3440,6 @@
               <a:rPr lang="en-US"/>
               <a:t>Third level</a:t>
             </a:r>
-            <a:endParaRPr lang="en-US"/>
           </a:p>
           <a:p>
             <a:pPr lvl="3"/>
@@ -3775,7 +3447,6 @@
               <a:rPr lang="en-US"/>
               <a:t>Fourth level</a:t>
             </a:r>
-            <a:endParaRPr lang="en-US"/>
           </a:p>
           <a:p>
             <a:pPr lvl="4"/>
@@ -3783,7 +3454,6 @@
               <a:rPr lang="en-US"/>
               <a:t>Fifth level</a:t>
             </a:r>
-            <a:endParaRPr lang="en-US"/>
           </a:p>
         </p:txBody>
       </p:sp>
@@ -3804,6 +3474,7 @@
           <a:p>
             <a:fld id="{7100977B-A811-F342-9EDB-261CF5B9C3C0}" type="datetimeFigureOut">
               <a:rPr lang="en-US" smtClean="0"/>
+              <a:t>12/5/2023</a:t>
             </a:fld>
             <a:endParaRPr lang="en-US"/>
           </a:p>
@@ -3845,6 +3516,7 @@
           <a:p>
             <a:fld id="{A212E537-7B8B-EC4D-B8A0-9AC733BFE404}" type="slidenum">
               <a:rPr lang="en-US" smtClean="0"/>
+              <a:t>‹#›</a:t>
             </a:fld>
             <a:endParaRPr lang="en-US"/>
           </a:p>
@@ -3899,7 +3571,6 @@
               <a:rPr lang="en-US"/>
               <a:t>Click to edit Master title style</a:t>
             </a:r>
-            <a:endParaRPr lang="en-US"/>
           </a:p>
         </p:txBody>
       </p:sp>
@@ -3928,7 +3599,6 @@
               <a:rPr lang="en-US"/>
               <a:t>Click to edit Master text styles</a:t>
             </a:r>
-            <a:endParaRPr lang="en-US"/>
           </a:p>
           <a:p>
             <a:pPr lvl="1"/>
@@ -3936,7 +3606,6 @@
               <a:rPr lang="en-US"/>
               <a:t>Second level</a:t>
             </a:r>
-            <a:endParaRPr lang="en-US"/>
           </a:p>
           <a:p>
             <a:pPr lvl="2"/>
@@ -3944,7 +3613,6 @@
               <a:rPr lang="en-US"/>
               <a:t>Third level</a:t>
             </a:r>
-            <a:endParaRPr lang="en-US"/>
           </a:p>
           <a:p>
             <a:pPr lvl="3"/>
@@ -3952,7 +3620,6 @@
               <a:rPr lang="en-US"/>
               <a:t>Fourth level</a:t>
             </a:r>
-            <a:endParaRPr lang="en-US"/>
           </a:p>
           <a:p>
             <a:pPr lvl="4"/>
@@ -3960,7 +3627,6 @@
               <a:rPr lang="en-US"/>
               <a:t>Fifth level</a:t>
             </a:r>
-            <a:endParaRPr lang="en-US"/>
           </a:p>
         </p:txBody>
       </p:sp>
@@ -3981,6 +3647,7 @@
           <a:p>
             <a:fld id="{7100977B-A811-F342-9EDB-261CF5B9C3C0}" type="datetimeFigureOut">
               <a:rPr lang="en-US" smtClean="0"/>
+              <a:t>12/5/2023</a:t>
             </a:fld>
             <a:endParaRPr lang="en-US"/>
           </a:p>
@@ -4022,6 +3689,7 @@
           <a:p>
             <a:fld id="{A212E537-7B8B-EC4D-B8A0-9AC733BFE404}" type="slidenum">
               <a:rPr lang="en-US" smtClean="0"/>
+              <a:t>‹#›</a:t>
             </a:fld>
             <a:endParaRPr lang="en-US"/>
           </a:p>
@@ -4071,7 +3739,6 @@
               <a:rPr lang="en-US"/>
               <a:t>Click to edit Master title style</a:t>
             </a:r>
-            <a:endParaRPr lang="en-US"/>
           </a:p>
         </p:txBody>
       </p:sp>
@@ -4095,7 +3762,6 @@
               <a:rPr lang="en-US"/>
               <a:t>Click to edit Master text styles</a:t>
             </a:r>
-            <a:endParaRPr lang="en-US"/>
           </a:p>
           <a:p>
             <a:pPr lvl="1"/>
@@ -4103,7 +3769,6 @@
               <a:rPr lang="en-US"/>
               <a:t>Second level</a:t>
             </a:r>
-            <a:endParaRPr lang="en-US"/>
           </a:p>
           <a:p>
             <a:pPr lvl="2"/>
@@ -4111,7 +3776,6 @@
               <a:rPr lang="en-US"/>
               <a:t>Third level</a:t>
             </a:r>
-            <a:endParaRPr lang="en-US"/>
           </a:p>
           <a:p>
             <a:pPr lvl="3"/>
@@ -4119,7 +3783,6 @@
               <a:rPr lang="en-US"/>
               <a:t>Fourth level</a:t>
             </a:r>
-            <a:endParaRPr lang="en-US"/>
           </a:p>
           <a:p>
             <a:pPr lvl="4"/>
@@ -4127,7 +3790,6 @@
               <a:rPr lang="en-US"/>
               <a:t>Fifth level</a:t>
             </a:r>
-            <a:endParaRPr lang="en-US"/>
           </a:p>
         </p:txBody>
       </p:sp>
@@ -4148,6 +3810,7 @@
           <a:p>
             <a:fld id="{7100977B-A811-F342-9EDB-261CF5B9C3C0}" type="datetimeFigureOut">
               <a:rPr lang="en-US" smtClean="0"/>
+              <a:t>12/5/2023</a:t>
             </a:fld>
             <a:endParaRPr lang="en-US"/>
           </a:p>
@@ -4189,6 +3852,7 @@
           <a:p>
             <a:fld id="{A212E537-7B8B-EC4D-B8A0-9AC733BFE404}" type="slidenum">
               <a:rPr lang="en-US" smtClean="0"/>
+              <a:t>‹#›</a:t>
             </a:fld>
             <a:endParaRPr lang="en-US"/>
           </a:p>
@@ -4247,7 +3911,6 @@
               <a:rPr lang="en-US"/>
               <a:t>Click to edit Master title style</a:t>
             </a:r>
-            <a:endParaRPr lang="en-US"/>
           </a:p>
         </p:txBody>
       </p:sp>
@@ -4367,7 +4030,6 @@
               <a:rPr lang="en-US"/>
               <a:t>Click to edit Master text styles</a:t>
             </a:r>
-            <a:endParaRPr lang="en-US"/>
           </a:p>
         </p:txBody>
       </p:sp>
@@ -4388,6 +4050,7 @@
           <a:p>
             <a:fld id="{7100977B-A811-F342-9EDB-261CF5B9C3C0}" type="datetimeFigureOut">
               <a:rPr lang="en-US" smtClean="0"/>
+              <a:t>12/5/2023</a:t>
             </a:fld>
             <a:endParaRPr lang="en-US"/>
           </a:p>
@@ -4429,6 +4092,7 @@
           <a:p>
             <a:fld id="{A212E537-7B8B-EC4D-B8A0-9AC733BFE404}" type="slidenum">
               <a:rPr lang="en-US" smtClean="0"/>
+              <a:t>‹#›</a:t>
             </a:fld>
             <a:endParaRPr lang="en-US"/>
           </a:p>
@@ -4478,7 +4142,6 @@
               <a:rPr lang="en-US"/>
               <a:t>Click to edit Master title style</a:t>
             </a:r>
-            <a:endParaRPr lang="en-US"/>
           </a:p>
         </p:txBody>
       </p:sp>
@@ -4507,7 +4170,6 @@
               <a:rPr lang="en-US"/>
               <a:t>Click to edit Master text styles</a:t>
             </a:r>
-            <a:endParaRPr lang="en-US"/>
           </a:p>
           <a:p>
             <a:pPr lvl="1"/>
@@ -4515,7 +4177,6 @@
               <a:rPr lang="en-US"/>
               <a:t>Second level</a:t>
             </a:r>
-            <a:endParaRPr lang="en-US"/>
           </a:p>
           <a:p>
             <a:pPr lvl="2"/>
@@ -4523,7 +4184,6 @@
               <a:rPr lang="en-US"/>
               <a:t>Third level</a:t>
             </a:r>
-            <a:endParaRPr lang="en-US"/>
           </a:p>
           <a:p>
             <a:pPr lvl="3"/>
@@ -4531,7 +4191,6 @@
               <a:rPr lang="en-US"/>
               <a:t>Fourth level</a:t>
             </a:r>
-            <a:endParaRPr lang="en-US"/>
           </a:p>
           <a:p>
             <a:pPr lvl="4"/>
@@ -4539,7 +4198,6 @@
               <a:rPr lang="en-US"/>
               <a:t>Fifth level</a:t>
             </a:r>
-            <a:endParaRPr lang="en-US"/>
           </a:p>
         </p:txBody>
       </p:sp>
@@ -4568,7 +4226,6 @@
               <a:rPr lang="en-US"/>
               <a:t>Click to edit Master text styles</a:t>
             </a:r>
-            <a:endParaRPr lang="en-US"/>
           </a:p>
           <a:p>
             <a:pPr lvl="1"/>
@@ -4576,7 +4233,6 @@
               <a:rPr lang="en-US"/>
               <a:t>Second level</a:t>
             </a:r>
-            <a:endParaRPr lang="en-US"/>
           </a:p>
           <a:p>
             <a:pPr lvl="2"/>
@@ -4584,7 +4240,6 @@
               <a:rPr lang="en-US"/>
               <a:t>Third level</a:t>
             </a:r>
-            <a:endParaRPr lang="en-US"/>
           </a:p>
           <a:p>
             <a:pPr lvl="3"/>
@@ -4592,7 +4247,6 @@
               <a:rPr lang="en-US"/>
               <a:t>Fourth level</a:t>
             </a:r>
-            <a:endParaRPr lang="en-US"/>
           </a:p>
           <a:p>
             <a:pPr lvl="4"/>
@@ -4600,7 +4254,6 @@
               <a:rPr lang="en-US"/>
               <a:t>Fifth level</a:t>
             </a:r>
-            <a:endParaRPr lang="en-US"/>
           </a:p>
         </p:txBody>
       </p:sp>
@@ -4621,6 +4274,7 @@
           <a:p>
             <a:fld id="{7100977B-A811-F342-9EDB-261CF5B9C3C0}" type="datetimeFigureOut">
               <a:rPr lang="en-US" smtClean="0"/>
+              <a:t>12/5/2023</a:t>
             </a:fld>
             <a:endParaRPr lang="en-US"/>
           </a:p>
@@ -4662,6 +4316,7 @@
           <a:p>
             <a:fld id="{A212E537-7B8B-EC4D-B8A0-9AC733BFE404}" type="slidenum">
               <a:rPr lang="en-US" smtClean="0"/>
+              <a:t>‹#›</a:t>
             </a:fld>
             <a:endParaRPr lang="en-US"/>
           </a:p>
@@ -4716,7 +4371,6 @@
               <a:rPr lang="en-US"/>
               <a:t>Click to edit Master title style</a:t>
             </a:r>
-            <a:endParaRPr lang="en-US"/>
           </a:p>
         </p:txBody>
       </p:sp>
@@ -4782,7 +4436,6 @@
               <a:rPr lang="en-US"/>
               <a:t>Click to edit Master text styles</a:t>
             </a:r>
-            <a:endParaRPr lang="en-US"/>
           </a:p>
         </p:txBody>
       </p:sp>
@@ -4811,7 +4464,6 @@
               <a:rPr lang="en-US"/>
               <a:t>Click to edit Master text styles</a:t>
             </a:r>
-            <a:endParaRPr lang="en-US"/>
           </a:p>
           <a:p>
             <a:pPr lvl="1"/>
@@ -4819,7 +4471,6 @@
               <a:rPr lang="en-US"/>
               <a:t>Second level</a:t>
             </a:r>
-            <a:endParaRPr lang="en-US"/>
           </a:p>
           <a:p>
             <a:pPr lvl="2"/>
@@ -4827,7 +4478,6 @@
               <a:rPr lang="en-US"/>
               <a:t>Third level</a:t>
             </a:r>
-            <a:endParaRPr lang="en-US"/>
           </a:p>
           <a:p>
             <a:pPr lvl="3"/>
@@ -4835,7 +4485,6 @@
               <a:rPr lang="en-US"/>
               <a:t>Fourth level</a:t>
             </a:r>
-            <a:endParaRPr lang="en-US"/>
           </a:p>
           <a:p>
             <a:pPr lvl="4"/>
@@ -4843,7 +4492,6 @@
               <a:rPr lang="en-US"/>
               <a:t>Fifth level</a:t>
             </a:r>
-            <a:endParaRPr lang="en-US"/>
           </a:p>
         </p:txBody>
       </p:sp>
@@ -4909,7 +4557,6 @@
               <a:rPr lang="en-US"/>
               <a:t>Click to edit Master text styles</a:t>
             </a:r>
-            <a:endParaRPr lang="en-US"/>
           </a:p>
         </p:txBody>
       </p:sp>
@@ -4938,7 +4585,6 @@
               <a:rPr lang="en-US"/>
               <a:t>Click to edit Master text styles</a:t>
             </a:r>
-            <a:endParaRPr lang="en-US"/>
           </a:p>
           <a:p>
             <a:pPr lvl="1"/>
@@ -4946,7 +4592,6 @@
               <a:rPr lang="en-US"/>
               <a:t>Second level</a:t>
             </a:r>
-            <a:endParaRPr lang="en-US"/>
           </a:p>
           <a:p>
             <a:pPr lvl="2"/>
@@ -4954,7 +4599,6 @@
               <a:rPr lang="en-US"/>
               <a:t>Third level</a:t>
             </a:r>
-            <a:endParaRPr lang="en-US"/>
           </a:p>
           <a:p>
             <a:pPr lvl="3"/>
@@ -4962,7 +4606,6 @@
               <a:rPr lang="en-US"/>
               <a:t>Fourth level</a:t>
             </a:r>
-            <a:endParaRPr lang="en-US"/>
           </a:p>
           <a:p>
             <a:pPr lvl="4"/>
@@ -4970,7 +4613,6 @@
               <a:rPr lang="en-US"/>
               <a:t>Fifth level</a:t>
             </a:r>
-            <a:endParaRPr lang="en-US"/>
           </a:p>
         </p:txBody>
       </p:sp>
@@ -4991,6 +4633,7 @@
           <a:p>
             <a:fld id="{7100977B-A811-F342-9EDB-261CF5B9C3C0}" type="datetimeFigureOut">
               <a:rPr lang="en-US" smtClean="0"/>
+              <a:t>12/5/2023</a:t>
             </a:fld>
             <a:endParaRPr lang="en-US"/>
           </a:p>
@@ -5032,6 +4675,7 @@
           <a:p>
             <a:fld id="{A212E537-7B8B-EC4D-B8A0-9AC733BFE404}" type="slidenum">
               <a:rPr lang="en-US" smtClean="0"/>
+              <a:t>‹#›</a:t>
             </a:fld>
             <a:endParaRPr lang="en-US"/>
           </a:p>
@@ -5081,7 +4725,6 @@
               <a:rPr lang="en-US"/>
               <a:t>Click to edit Master title style</a:t>
             </a:r>
-            <a:endParaRPr lang="en-US"/>
           </a:p>
         </p:txBody>
       </p:sp>
@@ -5102,6 +4745,7 @@
           <a:p>
             <a:fld id="{7100977B-A811-F342-9EDB-261CF5B9C3C0}" type="datetimeFigureOut">
               <a:rPr lang="en-US" smtClean="0"/>
+              <a:t>12/5/2023</a:t>
             </a:fld>
             <a:endParaRPr lang="en-US"/>
           </a:p>
@@ -5143,6 +4787,7 @@
           <a:p>
             <a:fld id="{A212E537-7B8B-EC4D-B8A0-9AC733BFE404}" type="slidenum">
               <a:rPr lang="en-US" smtClean="0"/>
+              <a:t>‹#›</a:t>
             </a:fld>
             <a:endParaRPr lang="en-US"/>
           </a:p>
@@ -5190,6 +4835,7 @@
           <a:p>
             <a:fld id="{7100977B-A811-F342-9EDB-261CF5B9C3C0}" type="datetimeFigureOut">
               <a:rPr lang="en-US" smtClean="0"/>
+              <a:t>12/5/2023</a:t>
             </a:fld>
             <a:endParaRPr lang="en-US"/>
           </a:p>
@@ -5231,6 +4877,7 @@
           <a:p>
             <a:fld id="{A212E537-7B8B-EC4D-B8A0-9AC733BFE404}" type="slidenum">
               <a:rPr lang="en-US" smtClean="0"/>
+              <a:t>‹#›</a:t>
             </a:fld>
             <a:endParaRPr lang="en-US"/>
           </a:p>
@@ -5289,7 +4936,6 @@
               <a:rPr lang="en-US"/>
               <a:t>Click to edit Master title style</a:t>
             </a:r>
-            <a:endParaRPr lang="en-US"/>
           </a:p>
         </p:txBody>
       </p:sp>
@@ -5346,7 +4992,6 @@
               <a:rPr lang="en-US"/>
               <a:t>Click to edit Master text styles</a:t>
             </a:r>
-            <a:endParaRPr lang="en-US"/>
           </a:p>
           <a:p>
             <a:pPr lvl="1"/>
@@ -5354,7 +4999,6 @@
               <a:rPr lang="en-US"/>
               <a:t>Second level</a:t>
             </a:r>
-            <a:endParaRPr lang="en-US"/>
           </a:p>
           <a:p>
             <a:pPr lvl="2"/>
@@ -5362,7 +5006,6 @@
               <a:rPr lang="en-US"/>
               <a:t>Third level</a:t>
             </a:r>
-            <a:endParaRPr lang="en-US"/>
           </a:p>
           <a:p>
             <a:pPr lvl="3"/>
@@ -5370,7 +5013,6 @@
               <a:rPr lang="en-US"/>
               <a:t>Fourth level</a:t>
             </a:r>
-            <a:endParaRPr lang="en-US"/>
           </a:p>
           <a:p>
             <a:pPr lvl="4"/>
@@ -5378,7 +5020,6 @@
               <a:rPr lang="en-US"/>
               <a:t>Fifth level</a:t>
             </a:r>
-            <a:endParaRPr lang="en-US"/>
           </a:p>
         </p:txBody>
       </p:sp>
@@ -5444,7 +5085,6 @@
               <a:rPr lang="en-US"/>
               <a:t>Click to edit Master text styles</a:t>
             </a:r>
-            <a:endParaRPr lang="en-US"/>
           </a:p>
         </p:txBody>
       </p:sp>
@@ -5465,6 +5105,7 @@
           <a:p>
             <a:fld id="{7100977B-A811-F342-9EDB-261CF5B9C3C0}" type="datetimeFigureOut">
               <a:rPr lang="en-US" smtClean="0"/>
+              <a:t>12/5/2023</a:t>
             </a:fld>
             <a:endParaRPr lang="en-US"/>
           </a:p>
@@ -5506,6 +5147,7 @@
           <a:p>
             <a:fld id="{A212E537-7B8B-EC4D-B8A0-9AC733BFE404}" type="slidenum">
               <a:rPr lang="en-US" smtClean="0"/>
+              <a:t>‹#›</a:t>
             </a:fld>
             <a:endParaRPr lang="en-US"/>
           </a:p>
@@ -5564,7 +5206,6 @@
               <a:rPr lang="en-US"/>
               <a:t>Click to edit Master title style</a:t>
             </a:r>
-            <a:endParaRPr lang="en-US"/>
           </a:p>
         </p:txBody>
       </p:sp>
@@ -5691,7 +5332,6 @@
               <a:rPr lang="en-US"/>
               <a:t>Click to edit Master text styles</a:t>
             </a:r>
-            <a:endParaRPr lang="en-US"/>
           </a:p>
         </p:txBody>
       </p:sp>
@@ -5712,6 +5352,7 @@
           <a:p>
             <a:fld id="{7100977B-A811-F342-9EDB-261CF5B9C3C0}" type="datetimeFigureOut">
               <a:rPr lang="en-US" smtClean="0"/>
+              <a:t>12/5/2023</a:t>
             </a:fld>
             <a:endParaRPr lang="en-US"/>
           </a:p>
@@ -5753,6 +5394,7 @@
           <a:p>
             <a:fld id="{A212E537-7B8B-EC4D-B8A0-9AC733BFE404}" type="slidenum">
               <a:rPr lang="en-US" smtClean="0"/>
+              <a:t>‹#›</a:t>
             </a:fld>
             <a:endParaRPr lang="en-US"/>
           </a:p>
@@ -5817,7 +5459,6 @@
               <a:rPr lang="en-US"/>
               <a:t>Click to edit Master title style</a:t>
             </a:r>
-            <a:endParaRPr lang="en-US"/>
           </a:p>
         </p:txBody>
       </p:sp>
@@ -5851,7 +5492,6 @@
               <a:rPr lang="en-US"/>
               <a:t>Click to edit Master text styles</a:t>
             </a:r>
-            <a:endParaRPr lang="en-US"/>
           </a:p>
           <a:p>
             <a:pPr lvl="1"/>
@@ -5859,7 +5499,6 @@
               <a:rPr lang="en-US"/>
               <a:t>Second level</a:t>
             </a:r>
-            <a:endParaRPr lang="en-US"/>
           </a:p>
           <a:p>
             <a:pPr lvl="2"/>
@@ -5867,7 +5506,6 @@
               <a:rPr lang="en-US"/>
               <a:t>Third level</a:t>
             </a:r>
-            <a:endParaRPr lang="en-US"/>
           </a:p>
           <a:p>
             <a:pPr lvl="3"/>
@@ -5875,7 +5513,6 @@
               <a:rPr lang="en-US"/>
               <a:t>Fourth level</a:t>
             </a:r>
-            <a:endParaRPr lang="en-US"/>
           </a:p>
           <a:p>
             <a:pPr lvl="4"/>
@@ -5883,7 +5520,6 @@
               <a:rPr lang="en-US"/>
               <a:t>Fifth level</a:t>
             </a:r>
-            <a:endParaRPr lang="en-US"/>
           </a:p>
         </p:txBody>
       </p:sp>
@@ -5922,6 +5558,7 @@
           <a:p>
             <a:fld id="{7100977B-A811-F342-9EDB-261CF5B9C3C0}" type="datetimeFigureOut">
               <a:rPr lang="en-US" smtClean="0"/>
+              <a:t>12/5/2023</a:t>
             </a:fld>
             <a:endParaRPr lang="en-US"/>
           </a:p>
@@ -5999,6 +5636,7 @@
           <a:p>
             <a:fld id="{A212E537-7B8B-EC4D-B8A0-9AC733BFE404}" type="slidenum">
               <a:rPr lang="en-US" smtClean="0"/>
+              <a:t>‹#›</a:t>
             </a:fld>
             <a:endParaRPr lang="en-US"/>
           </a:p>
@@ -6371,13 +6009,6 @@
               </a:rPr>
               <a:t>earning to</a:t>
             </a:r>
-            <a:endParaRPr lang="en-US" sz="3200" b="1" i="0" u="none" strike="noStrike">
-              <a:solidFill>
-                <a:srgbClr val="000000"/>
-              </a:solidFill>
-              <a:effectLst/>
-              <a:latin typeface="Times New Roman" panose="02020503050405090304" pitchFamily="18" charset="0"/>
-            </a:endParaRPr>
           </a:p>
           <a:p>
             <a:r>
@@ -6428,13 +6059,6 @@
               </a:rPr>
               <a:t>ased on</a:t>
             </a:r>
-            <a:endParaRPr lang="en-US" sz="3200" b="1" i="0" u="none" strike="noStrike">
-              <a:solidFill>
-                <a:srgbClr val="000000"/>
-              </a:solidFill>
-              <a:effectLst/>
-              <a:latin typeface="Times New Roman" panose="02020503050405090304" pitchFamily="18" charset="0"/>
-            </a:endParaRPr>
           </a:p>
           <a:p>
             <a:r>
@@ -6499,10 +6123,6 @@
               </a:rPr>
               <a:t>Peter Tran  |  Youxia Zhao</a:t>
             </a:r>
-            <a:endParaRPr lang="en-US" sz="2400">
-              <a:latin typeface="Times New Roman" panose="02020503050405090304" pitchFamily="18" charset="0"/>
-              <a:cs typeface="Times New Roman" panose="02020503050405090304" pitchFamily="18" charset="0"/>
-            </a:endParaRPr>
           </a:p>
           <a:p>
             <a:r>
@@ -6512,10 +6132,6 @@
               </a:rPr>
               <a:t>COMPSCI 524</a:t>
             </a:r>
-            <a:endParaRPr lang="en-US" sz="2400">
-              <a:latin typeface="Times New Roman" panose="02020503050405090304" pitchFamily="18" charset="0"/>
-              <a:cs typeface="Times New Roman" panose="02020503050405090304" pitchFamily="18" charset="0"/>
-            </a:endParaRPr>
           </a:p>
         </p:txBody>
       </p:sp>
@@ -6577,7 +6193,7 @@
           <p:nvPr/>
         </p:nvPicPr>
         <p:blipFill>
-          <a:blip r:embed="rId1"/>
+          <a:blip r:embed="rId3"/>
           <a:srcRect r="33642"/>
           <a:stretch>
             <a:fillRect/>
@@ -6613,15 +6229,6 @@
           <a:ln>
             <a:noFill/>
           </a:ln>
-          <a:extLst>
-            <a:ext uri="{909E8E84-426E-40DD-AFC4-6F175D3DCCD1}">
-              <a14:hiddenFill xmlns:a14="http://schemas.microsoft.com/office/drawing/2010/main">
-                <a:solidFill>
-                  <a:schemeClr val="accent1"/>
-                </a:solidFill>
-              </a14:hiddenFill>
-            </a:ext>
-          </a:extLst>
         </p:spPr>
         <p:style>
           <a:lnRef idx="2">
@@ -6641,6 +6248,7 @@
         </p:style>
         <p:txBody>
           <a:bodyPr rtlCol="0" anchor="ctr"/>
+          <a:lstStyle/>
           <a:p>
             <a:pPr algn="ctr"/>
             <a:endParaRPr lang="en-US"/>
@@ -6732,10 +6340,6 @@
               </a:rPr>
               <a:t>3. Dataset and Features Selection</a:t>
             </a:r>
-            <a:endParaRPr lang="en-US" sz="3200" b="1">
-              <a:latin typeface="Times New Roman" panose="02020503050405090304" pitchFamily="18" charset="0"/>
-              <a:cs typeface="Times New Roman" panose="02020503050405090304" pitchFamily="18" charset="0"/>
-            </a:endParaRPr>
           </a:p>
         </p:txBody>
       </p:sp>
@@ -6768,18 +6372,14 @@
               </a:rPr>
               <a:t>Some connections between observable habits and the underlying factors contributing to sleep disorders.</a:t>
             </a:r>
+          </a:p>
+          <a:p>
             <a:endParaRPr lang="en-US">
               <a:latin typeface="Times New Roman" panose="02020503050405090304" pitchFamily="18" charset="0"/>
               <a:cs typeface="Times New Roman" panose="02020503050405090304" pitchFamily="18" charset="0"/>
             </a:endParaRPr>
           </a:p>
           <a:p>
-            <a:endParaRPr lang="en-US">
-              <a:latin typeface="Times New Roman" panose="02020503050405090304" pitchFamily="18" charset="0"/>
-              <a:cs typeface="Times New Roman" panose="02020503050405090304" pitchFamily="18" charset="0"/>
-            </a:endParaRPr>
-          </a:p>
-          <a:p>
             <a:r>
               <a:rPr lang="en-US">
                 <a:latin typeface="Times New Roman" panose="02020503050405090304" pitchFamily="18" charset="0"/>
@@ -6787,10 +6387,6 @@
               </a:rPr>
               <a:t>E.g.: How do we discern which dietary habits may influence or contribute to sleep disorders? </a:t>
             </a:r>
-            <a:endParaRPr lang="en-US">
-              <a:latin typeface="Times New Roman" panose="02020503050405090304" pitchFamily="18" charset="0"/>
-              <a:cs typeface="Times New Roman" panose="02020503050405090304" pitchFamily="18" charset="0"/>
-            </a:endParaRPr>
           </a:p>
         </p:txBody>
       </p:sp>
@@ -6827,10 +6423,6 @@
               </a:rPr>
               <a:t>DAG analysis</a:t>
             </a:r>
-            <a:endParaRPr lang="en-US" sz="2000" b="1">
-              <a:latin typeface="Times New Roman" panose="02020503050405090304" pitchFamily="18" charset="0"/>
-              <a:cs typeface="Times New Roman" panose="02020503050405090304" pitchFamily="18" charset="0"/>
-            </a:endParaRPr>
           </a:p>
         </p:txBody>
       </p:sp>
@@ -6864,6 +6456,8 @@
               </a:rPr>
               <a:t>Removed some features that not demonstrate a significant influence on sleep disorder in our dataset.</a:t>
             </a:r>
+          </a:p>
+          <a:p>
             <a:endParaRPr lang="en-US" altLang="zh-CN">
               <a:latin typeface="Times New Roman" panose="02020503050405090304" pitchFamily="18" charset="0"/>
               <a:cs typeface="Times New Roman" panose="02020503050405090304" pitchFamily="18" charset="0"/>
@@ -6871,13 +6465,6 @@
             </a:endParaRPr>
           </a:p>
           <a:p>
-            <a:endParaRPr lang="en-US" altLang="zh-CN">
-              <a:latin typeface="Times New Roman" panose="02020503050405090304" pitchFamily="18" charset="0"/>
-              <a:cs typeface="Times New Roman" panose="02020503050405090304" pitchFamily="18" charset="0"/>
-              <a:sym typeface="+mn-ea"/>
-            </a:endParaRPr>
-          </a:p>
-          <a:p>
             <a:r>
               <a:rPr lang="en-US">
                 <a:latin typeface="Times New Roman" panose="02020503050405090304" pitchFamily="18" charset="0"/>
@@ -6914,10 +6501,6 @@
               </a:rPr>
               <a:t> entries.</a:t>
             </a:r>
-            <a:endParaRPr lang="en-US" altLang="zh-CN">
-              <a:latin typeface="Times New Roman" panose="02020503050405090304" pitchFamily="18" charset="0"/>
-              <a:cs typeface="Times New Roman" panose="02020503050405090304" pitchFamily="18" charset="0"/>
-            </a:endParaRPr>
           </a:p>
         </p:txBody>
       </p:sp>
@@ -6954,10 +6537,6 @@
               </a:rPr>
               <a:t>Features Selection</a:t>
             </a:r>
-            <a:endParaRPr lang="en-US" sz="2000" b="1">
-              <a:latin typeface="Times New Roman" panose="02020503050405090304" pitchFamily="18" charset="0"/>
-              <a:cs typeface="Times New Roman" panose="02020503050405090304" pitchFamily="18" charset="0"/>
-            </a:endParaRPr>
           </a:p>
         </p:txBody>
       </p:sp>
@@ -6970,7 +6549,7 @@
           <p:nvPr/>
         </p:nvPicPr>
         <p:blipFill>
-          <a:blip r:embed="rId1"/>
+          <a:blip r:embed="rId3"/>
           <a:stretch>
             <a:fillRect/>
           </a:stretch>
@@ -6994,7 +6573,7 @@
           <p:nvPr/>
         </p:nvPicPr>
         <p:blipFill>
-          <a:blip r:embed="rId2"/>
+          <a:blip r:embed="rId4"/>
           <a:srcRect t="7616"/>
           <a:stretch>
             <a:fillRect/>
@@ -7033,7 +6612,7 @@
             <p:nvPr/>
           </p:nvPicPr>
           <p:blipFill>
-            <a:blip r:embed="rId3"/>
+            <a:blip r:embed="rId5"/>
             <a:srcRect l="77328"/>
             <a:stretch>
               <a:fillRect/>
@@ -7058,7 +6637,7 @@
             <p:nvPr/>
           </p:nvPicPr>
           <p:blipFill>
-            <a:blip r:embed="rId3"/>
+            <a:blip r:embed="rId5"/>
             <a:srcRect l="43078" r="47495"/>
             <a:stretch>
               <a:fillRect/>
@@ -7083,7 +6662,7 @@
             <p:nvPr/>
           </p:nvPicPr>
           <p:blipFill>
-            <a:blip r:embed="rId3"/>
+            <a:blip r:embed="rId5"/>
             <a:srcRect r="82380"/>
             <a:stretch>
               <a:fillRect/>
@@ -7120,6 +6699,7 @@
           <a:bodyPr wrap="none" rtlCol="0">
             <a:spAutoFit/>
           </a:bodyPr>
+          <a:lstStyle/>
           <a:p>
             <a:pPr indent="0" algn="ctr">
               <a:buFont typeface="Wingdings" panose="05000000000000000000" pitchFamily="2" charset="2"/>
@@ -7132,10 +6712,6 @@
               </a:rPr>
               <a:t>Age VS BMI (Sleep Disorder: Yellow)</a:t>
             </a:r>
-            <a:endParaRPr lang="en-US" sz="2000" b="1">
-              <a:latin typeface="Times New Roman" panose="02020503050405090304" pitchFamily="18" charset="0"/>
-              <a:cs typeface="Times New Roman" panose="02020503050405090304" pitchFamily="18" charset="0"/>
-            </a:endParaRPr>
           </a:p>
         </p:txBody>
       </p:sp>
@@ -7159,6 +6735,7 @@
           <a:bodyPr wrap="none" rtlCol="0">
             <a:spAutoFit/>
           </a:bodyPr>
+          <a:lstStyle/>
           <a:p>
             <a:pPr indent="0" algn="ctr">
               <a:buFont typeface="Wingdings" panose="05000000000000000000" pitchFamily="2" charset="2"/>
@@ -7171,10 +6748,6 @@
               </a:rPr>
               <a:t>Sleep Hours</a:t>
             </a:r>
-            <a:endParaRPr lang="en-US" sz="2000" b="1">
-              <a:latin typeface="Times New Roman" panose="02020503050405090304" pitchFamily="18" charset="0"/>
-              <a:cs typeface="Times New Roman" panose="02020503050405090304" pitchFamily="18" charset="0"/>
-            </a:endParaRPr>
           </a:p>
         </p:txBody>
       </p:sp>
@@ -7198,6 +6771,7 @@
           <a:bodyPr wrap="none" rtlCol="0">
             <a:spAutoFit/>
           </a:bodyPr>
+          <a:lstStyle/>
           <a:p>
             <a:pPr indent="0" algn="ctr">
               <a:buFont typeface="Wingdings" panose="05000000000000000000" pitchFamily="2" charset="2"/>
@@ -7210,10 +6784,6 @@
               </a:rPr>
               <a:t>No sleep disorder</a:t>
             </a:r>
-            <a:endParaRPr lang="en-US" sz="2000" b="1">
-              <a:latin typeface="Times New Roman" panose="02020503050405090304" pitchFamily="18" charset="0"/>
-              <a:cs typeface="Times New Roman" panose="02020503050405090304" pitchFamily="18" charset="0"/>
-            </a:endParaRPr>
           </a:p>
         </p:txBody>
       </p:sp>
@@ -7237,6 +6807,7 @@
           <a:bodyPr wrap="none" rtlCol="0">
             <a:spAutoFit/>
           </a:bodyPr>
+          <a:lstStyle/>
           <a:p>
             <a:pPr indent="0" algn="ctr">
               <a:buFont typeface="Wingdings" panose="05000000000000000000" pitchFamily="2" charset="2"/>
@@ -7249,10 +6820,6 @@
               </a:rPr>
               <a:t>Sleep disorder</a:t>
             </a:r>
-            <a:endParaRPr lang="en-US" sz="2000" b="1">
-              <a:latin typeface="Times New Roman" panose="02020503050405090304" pitchFamily="18" charset="0"/>
-              <a:cs typeface="Times New Roman" panose="02020503050405090304" pitchFamily="18" charset="0"/>
-            </a:endParaRPr>
           </a:p>
         </p:txBody>
       </p:sp>
@@ -7276,6 +6843,7 @@
           <a:bodyPr wrap="none" rtlCol="0">
             <a:spAutoFit/>
           </a:bodyPr>
+          <a:lstStyle/>
           <a:p>
             <a:pPr indent="0" algn="ctr">
               <a:buFont typeface="Wingdings" panose="05000000000000000000" pitchFamily="2" charset="2"/>
@@ -7288,10 +6856,6 @@
               </a:rPr>
               <a:t>Tired/Depression</a:t>
             </a:r>
-            <a:endParaRPr lang="en-US" sz="2000" b="1">
-              <a:latin typeface="Times New Roman" panose="02020503050405090304" pitchFamily="18" charset="0"/>
-              <a:cs typeface="Times New Roman" panose="02020503050405090304" pitchFamily="18" charset="0"/>
-            </a:endParaRPr>
           </a:p>
         </p:txBody>
       </p:sp>
@@ -7379,10 +6943,6 @@
               </a:rPr>
               <a:t>4. Data Cleaning and Preprocessing</a:t>
             </a:r>
-            <a:endParaRPr lang="en-US" sz="3200" b="1">
-              <a:latin typeface="Times New Roman" panose="02020503050405090304" pitchFamily="18" charset="0"/>
-              <a:cs typeface="Times New Roman" panose="02020503050405090304" pitchFamily="18" charset="0"/>
-            </a:endParaRPr>
           </a:p>
         </p:txBody>
       </p:sp>
@@ -7419,6 +6979,68 @@
               </a:rPr>
               <a:t>NHANES 2015 – 2016 and 2017 – 2018 </a:t>
             </a:r>
+          </a:p>
+          <a:p>
+            <a:pPr marL="800100" lvl="1" indent="-342900">
+              <a:buFont typeface="Courier New" panose="02070409020205090404"/>
+              <a:buChar char="o"/>
+            </a:pPr>
+            <a:r>
+              <a:rPr lang="en-US">
+                <a:latin typeface="Times New Roman" panose="02020503050405090304"/>
+                <a:cs typeface="Times New Roman" panose="02020503050405090304"/>
+              </a:rPr>
+              <a:t>Removed records where patient age is under 18</a:t>
+            </a:r>
+          </a:p>
+          <a:p>
+            <a:pPr marL="800100" lvl="1" indent="-342900">
+              <a:buFont typeface="Courier New" panose="02070409020205090404"/>
+              <a:buChar char="o"/>
+            </a:pPr>
+            <a:r>
+              <a:rPr lang="en-US">
+                <a:latin typeface="Times New Roman" panose="02020503050405090304"/>
+                <a:cs typeface="Times New Roman" panose="02020503050405090304"/>
+              </a:rPr>
+              <a:t>Removed records where patient is pregnant</a:t>
+            </a:r>
+          </a:p>
+          <a:p>
+            <a:pPr marL="800100" lvl="1" indent="-342900">
+              <a:buFont typeface="Courier New" panose="02070409020205090404"/>
+              <a:buChar char="o"/>
+            </a:pPr>
+            <a:endParaRPr lang="en-US">
+              <a:latin typeface="Times New Roman" panose="02020503050405090304"/>
+              <a:cs typeface="Times New Roman" panose="02020503050405090304"/>
+            </a:endParaRPr>
+          </a:p>
+          <a:p>
+            <a:pPr marL="342900" indent="-342900">
+              <a:buFont typeface="Wingdings" panose="05000000000000000000"/>
+              <a:buChar char="Ø"/>
+            </a:pPr>
+            <a:r>
+              <a:rPr lang="en-US" b="1">
+                <a:latin typeface="Times New Roman" panose="02020503050405090304"/>
+                <a:cs typeface="Times New Roman" panose="02020503050405090304"/>
+              </a:rPr>
+              <a:t>Conversion to Binary Categorical Data </a:t>
+            </a:r>
+          </a:p>
+          <a:p>
+            <a:pPr marL="800100" lvl="1" indent="-342900">
+              <a:buFont typeface="Courier New" panose="02070409020205090404"/>
+              <a:buChar char="o"/>
+            </a:pPr>
+            <a:r>
+              <a:rPr lang="en-US">
+                <a:latin typeface="Times New Roman" panose="02020503050405090304"/>
+                <a:cs typeface="Times New Roman" panose="02020503050405090304"/>
+              </a:rPr>
+              <a:t>Diabetes</a:t>
+            </a:r>
             <a:endParaRPr lang="en-US" b="1">
               <a:latin typeface="Times New Roman" panose="02020503050405090304"/>
               <a:cs typeface="Times New Roman" panose="02020503050405090304"/>
@@ -7434,14 +7056,85 @@
                 <a:latin typeface="Times New Roman" panose="02020503050405090304"/>
                 <a:cs typeface="Times New Roman" panose="02020503050405090304"/>
               </a:rPr>
-              <a:t>Removed records where patient age is under 18</a:t>
-            </a:r>
+              <a:t>Current Smoking Habits</a:t>
+            </a:r>
+          </a:p>
+          <a:p>
+            <a:pPr marL="800100" lvl="1" indent="-342900">
+              <a:buFont typeface="Courier New" panose="02070409020205090404"/>
+              <a:buChar char="o"/>
+            </a:pPr>
+            <a:r>
+              <a:rPr lang="en-US">
+                <a:latin typeface="Times New Roman" panose="02020503050405090304"/>
+                <a:cs typeface="Times New Roman" panose="02020503050405090304"/>
+              </a:rPr>
+              <a:t>Alcohol Consumption in past 12 months </a:t>
+            </a:r>
+          </a:p>
+          <a:p>
+            <a:pPr marL="1257300" lvl="2" indent="-342900">
+              <a:buFont typeface="Wingdings" panose="05000000000000000000"/>
+              <a:buChar char="§"/>
+            </a:pPr>
+            <a:r>
+              <a:rPr lang="en-US">
+                <a:latin typeface="Times New Roman" panose="02020503050405090304"/>
+                <a:cs typeface="Times New Roman" panose="02020503050405090304"/>
+              </a:rPr>
+              <a:t>15 alcoholic beverage/day or more is considered excessive drinking</a:t>
+            </a:r>
+          </a:p>
+          <a:p>
+            <a:pPr marL="800100" lvl="1" indent="-342900">
+              <a:buFont typeface="Courier New" panose="02070409020205090404"/>
+              <a:buChar char="o"/>
+            </a:pPr>
+            <a:r>
+              <a:rPr lang="en-US">
+                <a:latin typeface="Times New Roman" panose="02020503050405090304"/>
+                <a:cs typeface="Times New Roman" panose="02020503050405090304"/>
+              </a:rPr>
+              <a:t>Physical Exercise</a:t>
+            </a:r>
+          </a:p>
+          <a:p>
+            <a:pPr marL="1257300" lvl="2" indent="-342900">
+              <a:buFont typeface="Wingdings" panose="05000000000000000000"/>
+              <a:buChar char="§"/>
+            </a:pPr>
+            <a:r>
+              <a:rPr lang="en-US">
+                <a:latin typeface="Times New Roman" panose="02020503050405090304"/>
+                <a:cs typeface="Times New Roman" panose="02020503050405090304"/>
+              </a:rPr>
+              <a:t>Moderate to Vigorous physical activity for at least 10 minutes</a:t>
+            </a:r>
+          </a:p>
+          <a:p>
+            <a:pPr marL="800100" lvl="1" indent="-342900">
+              <a:buFont typeface="Courier New" panose="02070409020205090404"/>
+              <a:buChar char="o"/>
+            </a:pPr>
             <a:endParaRPr lang="en-US">
               <a:latin typeface="Times New Roman" panose="02020503050405090304"/>
               <a:cs typeface="Times New Roman" panose="02020503050405090304"/>
             </a:endParaRPr>
           </a:p>
           <a:p>
+            <a:pPr marL="342900" indent="-342900">
+              <a:buFont typeface="Wingdings" panose="05000000000000000000"/>
+              <a:buChar char="Ø"/>
+            </a:pPr>
+            <a:r>
+              <a:rPr lang="en-US" b="1">
+                <a:latin typeface="Times New Roman" panose="02020503050405090304"/>
+                <a:cs typeface="Times New Roman" panose="02020503050405090304"/>
+              </a:rPr>
+              <a:t>Filtering data for 'Missing', 'Refused', 'Don't Know'</a:t>
+            </a:r>
+          </a:p>
+          <a:p>
             <a:pPr marL="800100" lvl="1" indent="-342900">
               <a:buFont typeface="Courier New" panose="02070409020205090404"/>
               <a:buChar char="o"/>
@@ -7451,39 +7144,57 @@
                 <a:latin typeface="Times New Roman" panose="02020503050405090304"/>
                 <a:cs typeface="Times New Roman" panose="02020503050405090304"/>
               </a:rPr>
-              <a:t>Removed records where patient is pregnant</a:t>
-            </a:r>
+              <a:t>1136 records remaining</a:t>
+            </a:r>
+          </a:p>
+          <a:p>
+            <a:pPr marL="800100" lvl="1" indent="-342900">
+              <a:buFont typeface="Courier New" panose="02070409020205090404"/>
+              <a:buChar char="o"/>
+            </a:pPr>
+            <a:r>
+              <a:rPr lang="en-US">
+                <a:latin typeface="Times New Roman" panose="02020503050405090304"/>
+                <a:cs typeface="Times New Roman" panose="02020503050405090304"/>
+              </a:rPr>
+              <a:t>805 with sleep disorders, 331 with no sleep disorder</a:t>
+            </a:r>
+          </a:p>
+          <a:p>
+            <a:pPr marL="800100" lvl="1" indent="-342900">
+              <a:buFont typeface="Courier New" panose="02070409020205090404"/>
+              <a:buChar char="o"/>
+            </a:pPr>
             <a:endParaRPr lang="en-US">
               <a:latin typeface="Times New Roman" panose="02020503050405090304"/>
               <a:cs typeface="Times New Roman" panose="02020503050405090304"/>
             </a:endParaRPr>
           </a:p>
           <a:p>
+            <a:pPr marL="342900" indent="-342900">
+              <a:buFont typeface="Wingdings" panose="05000000000000000000"/>
+              <a:buChar char="Ø"/>
+            </a:pPr>
+            <a:r>
+              <a:rPr lang="en-US" b="1">
+                <a:latin typeface="Times New Roman" panose="02020503050405090304"/>
+                <a:cs typeface="Times New Roman" panose="02020503050405090304"/>
+              </a:rPr>
+              <a:t>Feature Normalization on Numerical Attributes </a:t>
+            </a:r>
+          </a:p>
+          <a:p>
             <a:pPr marL="800100" lvl="1" indent="-342900">
               <a:buFont typeface="Courier New" panose="02070409020205090404"/>
               <a:buChar char="o"/>
             </a:pPr>
-            <a:endParaRPr lang="en-US">
-              <a:latin typeface="Times New Roman" panose="02020503050405090304"/>
-              <a:cs typeface="Times New Roman" panose="02020503050405090304"/>
-            </a:endParaRPr>
-          </a:p>
-          <a:p>
-            <a:pPr marL="342900" indent="-342900">
-              <a:buFont typeface="Wingdings" panose="05000000000000000000"/>
-              <a:buChar char="Ø"/>
-            </a:pPr>
-            <a:r>
-              <a:rPr lang="en-US" b="1">
+            <a:r>
+              <a:rPr lang="en-US">
                 <a:latin typeface="Times New Roman" panose="02020503050405090304"/>
                 <a:cs typeface="Times New Roman" panose="02020503050405090304"/>
               </a:rPr>
-              <a:t>Conversion to Binary Categorical Data </a:t>
-            </a:r>
-            <a:endParaRPr lang="en-US" b="1">
-              <a:latin typeface="Times New Roman" panose="02020503050405090304"/>
-              <a:cs typeface="Times New Roman" panose="02020503050405090304"/>
-            </a:endParaRPr>
+              <a:t>Mental Health ~ Depression and Anxiety</a:t>
+            </a:r>
           </a:p>
           <a:p>
             <a:pPr marL="800100" lvl="1" indent="-342900">
@@ -7495,219 +7206,8 @@
                 <a:latin typeface="Times New Roman" panose="02020503050405090304"/>
                 <a:cs typeface="Times New Roman" panose="02020503050405090304"/>
               </a:rPr>
-              <a:t>Diabetes</a:t>
-            </a:r>
-            <a:endParaRPr lang="en-US" b="1">
-              <a:latin typeface="Times New Roman" panose="02020503050405090304"/>
-              <a:cs typeface="Times New Roman" panose="02020503050405090304"/>
-            </a:endParaRPr>
-          </a:p>
-          <a:p>
-            <a:pPr marL="800100" lvl="1" indent="-342900">
-              <a:buFont typeface="Courier New" panose="02070409020205090404"/>
-              <a:buChar char="o"/>
-            </a:pPr>
-            <a:r>
-              <a:rPr lang="en-US">
-                <a:latin typeface="Times New Roman" panose="02020503050405090304"/>
-                <a:cs typeface="Times New Roman" panose="02020503050405090304"/>
-              </a:rPr>
-              <a:t>Current Smoking Habits</a:t>
-            </a:r>
-            <a:endParaRPr lang="en-US">
-              <a:latin typeface="Times New Roman" panose="02020503050405090304"/>
-              <a:cs typeface="Times New Roman" panose="02020503050405090304"/>
-            </a:endParaRPr>
-          </a:p>
-          <a:p>
-            <a:pPr marL="800100" lvl="1" indent="-342900">
-              <a:buFont typeface="Courier New" panose="02070409020205090404"/>
-              <a:buChar char="o"/>
-            </a:pPr>
-            <a:r>
-              <a:rPr lang="en-US">
-                <a:latin typeface="Times New Roman" panose="02020503050405090304"/>
-                <a:cs typeface="Times New Roman" panose="02020503050405090304"/>
-              </a:rPr>
-              <a:t>Alcohol Consumption in past 12 months </a:t>
-            </a:r>
-            <a:endParaRPr lang="en-US">
-              <a:latin typeface="Times New Roman" panose="02020503050405090304"/>
-              <a:cs typeface="Times New Roman" panose="02020503050405090304"/>
-            </a:endParaRPr>
-          </a:p>
-          <a:p>
-            <a:pPr marL="1257300" lvl="2" indent="-342900">
-              <a:buFont typeface="Wingdings" panose="05000000000000000000"/>
-              <a:buChar char="§"/>
-            </a:pPr>
-            <a:r>
-              <a:rPr lang="en-US">
-                <a:latin typeface="Times New Roman" panose="02020503050405090304"/>
-                <a:cs typeface="Times New Roman" panose="02020503050405090304"/>
-              </a:rPr>
-              <a:t>15 alcoholic beverage/day or more is considered excessive drinking</a:t>
-            </a:r>
-            <a:endParaRPr lang="en-US">
-              <a:latin typeface="Times New Roman" panose="02020503050405090304"/>
-              <a:cs typeface="Times New Roman" panose="02020503050405090304"/>
-            </a:endParaRPr>
-          </a:p>
-          <a:p>
-            <a:pPr marL="800100" lvl="1" indent="-342900">
-              <a:buFont typeface="Courier New" panose="02070409020205090404"/>
-              <a:buChar char="o"/>
-            </a:pPr>
-            <a:r>
-              <a:rPr lang="en-US">
-                <a:latin typeface="Times New Roman" panose="02020503050405090304"/>
-                <a:cs typeface="Times New Roman" panose="02020503050405090304"/>
-              </a:rPr>
-              <a:t>Physical Exercise</a:t>
-            </a:r>
-            <a:endParaRPr lang="en-US">
-              <a:latin typeface="Times New Roman" panose="02020503050405090304"/>
-              <a:cs typeface="Times New Roman" panose="02020503050405090304"/>
-            </a:endParaRPr>
-          </a:p>
-          <a:p>
-            <a:pPr marL="1257300" lvl="2" indent="-342900">
-              <a:buFont typeface="Wingdings" panose="05000000000000000000"/>
-              <a:buChar char="§"/>
-            </a:pPr>
-            <a:r>
-              <a:rPr lang="en-US">
-                <a:latin typeface="Times New Roman" panose="02020503050405090304"/>
-                <a:cs typeface="Times New Roman" panose="02020503050405090304"/>
-              </a:rPr>
-              <a:t>Moderate to Vigorous physical activity for at least 10 minutes</a:t>
-            </a:r>
-            <a:endParaRPr lang="en-US">
-              <a:latin typeface="Times New Roman" panose="02020503050405090304"/>
-              <a:cs typeface="Times New Roman" panose="02020503050405090304"/>
-            </a:endParaRPr>
-          </a:p>
-          <a:p>
-            <a:pPr marL="800100" lvl="1" indent="-342900">
-              <a:buFont typeface="Courier New" panose="02070409020205090404"/>
-              <a:buChar char="o"/>
-            </a:pPr>
-            <a:endParaRPr lang="en-US">
-              <a:latin typeface="Times New Roman" panose="02020503050405090304"/>
-              <a:cs typeface="Times New Roman" panose="02020503050405090304"/>
-            </a:endParaRPr>
-          </a:p>
-          <a:p>
-            <a:pPr marL="342900" indent="-342900">
-              <a:buFont typeface="Wingdings" panose="05000000000000000000"/>
-              <a:buChar char="Ø"/>
-            </a:pPr>
-            <a:r>
-              <a:rPr lang="en-US" b="1">
-                <a:latin typeface="Times New Roman" panose="02020503050405090304"/>
-                <a:cs typeface="Times New Roman" panose="02020503050405090304"/>
-              </a:rPr>
-              <a:t>Filtering data for 'Missing', 'Refused', 'Don't Know'</a:t>
-            </a:r>
-            <a:endParaRPr lang="en-US" b="1">
-              <a:latin typeface="Times New Roman" panose="02020503050405090304"/>
-              <a:cs typeface="Times New Roman" panose="02020503050405090304"/>
-            </a:endParaRPr>
-          </a:p>
-          <a:p>
-            <a:pPr marL="800100" lvl="1" indent="-342900">
-              <a:buFont typeface="Courier New" panose="02070409020205090404"/>
-              <a:buChar char="o"/>
-            </a:pPr>
-            <a:r>
-              <a:rPr lang="en-US">
-                <a:latin typeface="Times New Roman" panose="02020503050405090304"/>
-                <a:cs typeface="Times New Roman" panose="02020503050405090304"/>
-              </a:rPr>
-              <a:t>1136 records remaining</a:t>
-            </a:r>
-            <a:endParaRPr lang="en-US">
-              <a:latin typeface="Times New Roman" panose="02020503050405090304"/>
-              <a:cs typeface="Times New Roman" panose="02020503050405090304"/>
-            </a:endParaRPr>
-          </a:p>
-          <a:p>
-            <a:pPr marL="800100" lvl="1" indent="-342900">
-              <a:buFont typeface="Courier New" panose="02070409020205090404"/>
-              <a:buChar char="o"/>
-            </a:pPr>
-            <a:r>
-              <a:rPr lang="en-US">
-                <a:latin typeface="Times New Roman" panose="02020503050405090304"/>
-                <a:cs typeface="Times New Roman" panose="02020503050405090304"/>
-              </a:rPr>
-              <a:t>805 with sleep disorders, 331 with no sleep disorder</a:t>
-            </a:r>
-            <a:endParaRPr lang="en-US">
-              <a:latin typeface="Times New Roman" panose="02020503050405090304"/>
-              <a:cs typeface="Times New Roman" panose="02020503050405090304"/>
-            </a:endParaRPr>
-          </a:p>
-          <a:p>
-            <a:pPr marL="800100" lvl="1" indent="-342900">
-              <a:buFont typeface="Courier New" panose="02070409020205090404"/>
-              <a:buChar char="o"/>
-            </a:pPr>
-            <a:endParaRPr lang="en-US">
-              <a:latin typeface="Times New Roman" panose="02020503050405090304"/>
-              <a:cs typeface="Times New Roman" panose="02020503050405090304"/>
-            </a:endParaRPr>
-          </a:p>
-          <a:p>
-            <a:pPr marL="342900" indent="-342900">
-              <a:buFont typeface="Wingdings" panose="05000000000000000000"/>
-              <a:buChar char="Ø"/>
-            </a:pPr>
-            <a:r>
-              <a:rPr lang="en-US" b="1">
-                <a:latin typeface="Times New Roman" panose="02020503050405090304"/>
-                <a:cs typeface="Times New Roman" panose="02020503050405090304"/>
-              </a:rPr>
-              <a:t>Feature Normalization on Numerical Attributes </a:t>
-            </a:r>
-            <a:endParaRPr lang="en-US" b="1">
-              <a:latin typeface="Times New Roman" panose="02020503050405090304"/>
-              <a:cs typeface="Times New Roman" panose="02020503050405090304"/>
-            </a:endParaRPr>
-          </a:p>
-          <a:p>
-            <a:pPr marL="800100" lvl="1" indent="-342900">
-              <a:buFont typeface="Courier New" panose="02070409020205090404"/>
-              <a:buChar char="o"/>
-            </a:pPr>
-            <a:r>
-              <a:rPr lang="en-US">
-                <a:latin typeface="Times New Roman" panose="02020503050405090304"/>
-                <a:cs typeface="Times New Roman" panose="02020503050405090304"/>
-              </a:rPr>
-              <a:t>Mental Health ~ Depression and Anxiety</a:t>
-            </a:r>
-            <a:endParaRPr lang="en-US">
-              <a:latin typeface="Times New Roman" panose="02020503050405090304"/>
-              <a:cs typeface="Times New Roman" panose="02020503050405090304"/>
-            </a:endParaRPr>
-          </a:p>
-          <a:p>
-            <a:pPr marL="800100" lvl="1" indent="-342900">
-              <a:buFont typeface="Courier New" panose="02070409020205090404"/>
-              <a:buChar char="o"/>
-            </a:pPr>
-            <a:r>
-              <a:rPr lang="en-US">
-                <a:latin typeface="Times New Roman" panose="02020503050405090304"/>
-                <a:cs typeface="Times New Roman" panose="02020503050405090304"/>
-              </a:rPr>
               <a:t>Dietary Data ~ Magnesium, Iron, Saturated Fat, Monounsaturated and Polyunsaturated Fat</a:t>
             </a:r>
-            <a:endParaRPr lang="en-US">
-              <a:latin typeface="Times New Roman" panose="02020503050405090304"/>
-              <a:cs typeface="Times New Roman" panose="02020503050405090304"/>
-            </a:endParaRPr>
           </a:p>
         </p:txBody>
       </p:sp>
@@ -7835,10 +7335,6 @@
               </a:rPr>
               <a:t>Train Validation Test Split</a:t>
             </a:r>
-            <a:endParaRPr lang="en-US" b="1" dirty="0">
-              <a:latin typeface="Times New Roman" panose="02020503050405090304"/>
-              <a:cs typeface="Times New Roman" panose="02020503050405090304"/>
-            </a:endParaRPr>
           </a:p>
           <a:p>
             <a:pPr marL="800100" lvl="1" indent="-342900">
@@ -7852,10 +7348,6 @@
               </a:rPr>
               <a:t>Train: 70%</a:t>
             </a:r>
-            <a:endParaRPr lang="en-US" dirty="0">
-              <a:latin typeface="Times New Roman" panose="02020503050405090304"/>
-              <a:cs typeface="Times New Roman" panose="02020503050405090304"/>
-            </a:endParaRPr>
           </a:p>
           <a:p>
             <a:pPr marL="800100" lvl="1" indent="-342900">
@@ -7869,10 +7361,6 @@
               </a:rPr>
               <a:t>Validation: 15%</a:t>
             </a:r>
-            <a:endParaRPr lang="en-US" dirty="0">
-              <a:latin typeface="Times New Roman" panose="02020503050405090304"/>
-              <a:cs typeface="Times New Roman" panose="02020503050405090304"/>
-            </a:endParaRPr>
           </a:p>
           <a:p>
             <a:pPr marL="800100" lvl="1" indent="-342900">
@@ -7886,10 +7374,6 @@
               </a:rPr>
               <a:t>Test: 15%</a:t>
             </a:r>
-            <a:endParaRPr lang="en-US" dirty="0">
-              <a:latin typeface="Times New Roman" panose="02020503050405090304"/>
-              <a:cs typeface="Times New Roman" panose="02020503050405090304"/>
-            </a:endParaRPr>
           </a:p>
           <a:p>
             <a:pPr marL="800100" lvl="1" indent="-342900">
@@ -7913,10 +7397,6 @@
               </a:rPr>
               <a:t> Our goal is to improve the learning of our model over the Training Set</a:t>
             </a:r>
-            <a:endParaRPr lang="en-US" b="1" dirty="0">
-              <a:latin typeface="Times New Roman" panose="02020503050405090304"/>
-              <a:cs typeface="Times New Roman" panose="02020503050405090304"/>
-            </a:endParaRPr>
           </a:p>
           <a:p>
             <a:pPr marL="800100" lvl="1" indent="-342900">
@@ -7930,10 +7410,6 @@
               </a:rPr>
               <a:t>Kernel Density Estimation (KDE) makes an estimate of the underlying distribution</a:t>
             </a:r>
-            <a:endParaRPr lang="en-US" dirty="0">
-              <a:latin typeface="Times New Roman" panose="02020503050405090304"/>
-              <a:cs typeface="Times New Roman" panose="02020503050405090304"/>
-            </a:endParaRPr>
           </a:p>
           <a:p>
             <a:pPr marL="800100" lvl="1" indent="-342900">
@@ -7947,10 +7423,6 @@
               </a:rPr>
               <a:t>Keep data that are likely to come from the densest regions of the distribution</a:t>
             </a:r>
-            <a:endParaRPr lang="en-US" dirty="0">
-              <a:latin typeface="Times New Roman" panose="02020503050405090304"/>
-              <a:cs typeface="Times New Roman" panose="02020503050405090304"/>
-            </a:endParaRPr>
           </a:p>
           <a:p>
             <a:pPr marL="800100" lvl="1" indent="-342900">
@@ -7988,10 +7460,6 @@
               </a:rPr>
               <a:t>Tuning Hyperparameters over the Validation Set</a:t>
             </a:r>
-            <a:endParaRPr lang="en-US" b="1" dirty="0">
-              <a:latin typeface="Times New Roman" panose="02020503050405090304"/>
-              <a:cs typeface="Times New Roman" panose="02020503050405090304"/>
-            </a:endParaRPr>
           </a:p>
           <a:p>
             <a:pPr marL="342900" indent="-342900">
@@ -8015,10 +7483,6 @@
               </a:rPr>
               <a:t>Visualize Evaluation Metrics over the Testing Set</a:t>
             </a:r>
-            <a:endParaRPr lang="en-US" b="1" dirty="0">
-              <a:latin typeface="Times New Roman" panose="02020503050405090304"/>
-              <a:cs typeface="Times New Roman" panose="02020503050405090304"/>
-            </a:endParaRPr>
           </a:p>
           <a:p>
             <a:pPr marL="800100" lvl="1" indent="-342900">
@@ -8116,10 +7580,6 @@
               </a:rPr>
               <a:t>5. Methodology – Logistic Regression (LR)</a:t>
             </a:r>
-            <a:endParaRPr lang="en-US" sz="3200" b="1">
-              <a:latin typeface="Times New Roman" panose="02020503050405090304"/>
-              <a:cs typeface="Times New Roman" panose="02020503050405090304"/>
-            </a:endParaRPr>
           </a:p>
         </p:txBody>
       </p:sp>
@@ -8215,6 +7675,19 @@
               </a:rPr>
               <a:t>LR performs much better with the majority class</a:t>
             </a:r>
+          </a:p>
+          <a:p>
+            <a:pPr marL="285750" indent="-285750">
+              <a:buFont typeface="Arial" panose="020B0604020202090204"/>
+              <a:buChar char="•"/>
+            </a:pPr>
+            <a:r>
+              <a:rPr lang="en-US" dirty="0">
+                <a:latin typeface="Times New Roman" panose="02020503050405090304"/>
+                <a:cs typeface="Times New Roman" panose="02020503050405090304"/>
+              </a:rPr>
+              <a:t>Kernel Density Estimation: class-wise tuning</a:t>
+            </a:r>
             <a:endParaRPr lang="en-US" dirty="0">
               <a:latin typeface="Times New Roman" panose="02020503050405090304"/>
               <a:ea typeface="Calibri"/>
@@ -8222,24 +7695,6 @@
             </a:endParaRPr>
           </a:p>
           <a:p>
-            <a:pPr marL="285750" indent="-285750">
-              <a:buFont typeface="Arial" panose="020B0604020202090204"/>
-              <a:buChar char="•"/>
-            </a:pPr>
-            <a:r>
-              <a:rPr lang="en-US" dirty="0">
-                <a:latin typeface="Times New Roman" panose="02020503050405090304"/>
-                <a:cs typeface="Times New Roman" panose="02020503050405090304"/>
-              </a:rPr>
-              <a:t>Kernel Density Estimation: class-wise tuning</a:t>
-            </a:r>
-            <a:endParaRPr lang="en-US" dirty="0">
-              <a:latin typeface="Times New Roman" panose="02020503050405090304"/>
-              <a:ea typeface="Calibri"/>
-              <a:cs typeface="Times New Roman" panose="02020503050405090304"/>
-            </a:endParaRPr>
-          </a:p>
-          <a:p>
             <a:pPr marL="742950" lvl="1" indent="-285750">
               <a:buFont typeface="Courier New" panose="02070409020205090404"/>
               <a:buChar char="o"/>
@@ -8252,11 +7707,6 @@
               </a:rPr>
               <a:t>Kept top 80% of minority class</a:t>
             </a:r>
-            <a:endParaRPr lang="en-US" dirty="0">
-              <a:latin typeface="Times New Roman" panose="02020503050405090304"/>
-              <a:ea typeface="Calibri"/>
-              <a:cs typeface="Times New Roman" panose="02020503050405090304"/>
-            </a:endParaRPr>
           </a:p>
           <a:p>
             <a:pPr marL="742950" lvl="1" indent="-285750">
@@ -8271,11 +7721,6 @@
               </a:rPr>
               <a:t>Kept top 50% of majority class</a:t>
             </a:r>
-            <a:endParaRPr lang="en-US" dirty="0">
-              <a:latin typeface="Times New Roman" panose="02020503050405090304"/>
-              <a:ea typeface="Calibri"/>
-              <a:cs typeface="Times New Roman" panose="02020503050405090304"/>
-            </a:endParaRPr>
           </a:p>
           <a:p>
             <a:pPr marL="285750" indent="-285750">
@@ -8290,11 +7735,6 @@
               </a:rPr>
               <a:t>More exploration with relevant feature selection</a:t>
             </a:r>
-            <a:endParaRPr lang="en-US" dirty="0">
-              <a:latin typeface="Times New Roman" panose="02020503050405090304"/>
-              <a:ea typeface="Calibri"/>
-              <a:cs typeface="Times New Roman" panose="02020503050405090304"/>
-            </a:endParaRPr>
           </a:p>
         </p:txBody>
       </p:sp>
@@ -8307,7 +7747,7 @@
           <p:nvPr/>
         </p:nvPicPr>
         <p:blipFill>
-          <a:blip r:embed="rId1"/>
+          <a:blip r:embed="rId3"/>
           <a:stretch>
             <a:fillRect/>
           </a:stretch>
@@ -8331,7 +7771,7 @@
           <p:nvPr/>
         </p:nvPicPr>
         <p:blipFill>
-          <a:blip r:embed="rId2"/>
+          <a:blip r:embed="rId4"/>
           <a:stretch>
             <a:fillRect/>
           </a:stretch>
@@ -8355,7 +7795,7 @@
           <p:nvPr/>
         </p:nvPicPr>
         <p:blipFill>
-          <a:blip r:embed="rId3"/>
+          <a:blip r:embed="rId5"/>
           <a:stretch>
             <a:fillRect/>
           </a:stretch>
@@ -8379,7 +7819,7 @@
           <p:nvPr/>
         </p:nvPicPr>
         <p:blipFill>
-          <a:blip r:embed="rId4"/>
+          <a:blip r:embed="rId6"/>
           <a:stretch>
             <a:fillRect/>
           </a:stretch>
@@ -8491,7 +7931,7 @@
           <p:nvPr/>
         </p:nvPicPr>
         <p:blipFill>
-          <a:blip r:embed="rId5"/>
+          <a:blip r:embed="rId7"/>
           <a:stretch>
             <a:fillRect/>
           </a:stretch>
@@ -8647,11 +8087,6 @@
               </a:rPr>
               <a:t>Tuning for Number of Decision Trees</a:t>
             </a:r>
-            <a:endParaRPr lang="en-US" sz="2000" b="1" dirty="0">
-              <a:latin typeface="Times New Roman" panose="02020503050405090304"/>
-              <a:cs typeface="Times New Roman" panose="02020503050405090304"/>
-              <a:sym typeface="+mn-ea"/>
-            </a:endParaRPr>
           </a:p>
           <a:p>
             <a:r>
@@ -8809,11 +8244,6 @@
               </a:rPr>
               <a:t>RF performs much better with the majority class</a:t>
             </a:r>
-            <a:endParaRPr lang="en-US" dirty="0">
-              <a:latin typeface="Times New Roman" panose="02020503050405090304"/>
-              <a:ea typeface="Calibri"/>
-              <a:cs typeface="Times New Roman" panose="02020503050405090304"/>
-            </a:endParaRPr>
           </a:p>
           <a:p>
             <a:pPr marL="285750" indent="-285750">
@@ -8835,11 +8265,6 @@
               </a:rPr>
               <a:t>class-wise tuning</a:t>
             </a:r>
-            <a:endParaRPr lang="en-US" dirty="0">
-              <a:latin typeface="Times New Roman" panose="02020503050405090304"/>
-              <a:cs typeface="Times New Roman" panose="02020503050405090304"/>
-              <a:sym typeface="+mn-ea"/>
-            </a:endParaRPr>
           </a:p>
           <a:p>
             <a:pPr marL="742950" lvl="1" indent="-285750">
@@ -8910,7 +8335,7 @@
           <p:nvPr/>
         </p:nvPicPr>
         <p:blipFill>
-          <a:blip r:embed="rId1"/>
+          <a:blip r:embed="rId3"/>
           <a:stretch>
             <a:fillRect/>
           </a:stretch>
@@ -8939,7 +8364,7 @@
           <p:nvPr/>
         </p:nvPicPr>
         <p:blipFill>
-          <a:blip r:embed="rId2"/>
+          <a:blip r:embed="rId4"/>
           <a:stretch>
             <a:fillRect/>
           </a:stretch>
@@ -8970,7 +8395,7 @@
           <p:nvPr/>
         </p:nvPicPr>
         <p:blipFill>
-          <a:blip r:embed="rId3"/>
+          <a:blip r:embed="rId5"/>
           <a:stretch>
             <a:fillRect/>
           </a:stretch>
@@ -8994,7 +8419,7 @@
           <p:nvPr/>
         </p:nvPicPr>
         <p:blipFill>
-          <a:blip r:embed="rId4"/>
+          <a:blip r:embed="rId6"/>
           <a:stretch>
             <a:fillRect/>
           </a:stretch>
@@ -9018,7 +8443,7 @@
           <p:nvPr/>
         </p:nvPicPr>
         <p:blipFill>
-          <a:blip r:embed="rId5"/>
+          <a:blip r:embed="rId7"/>
           <a:stretch>
             <a:fillRect/>
           </a:stretch>
@@ -9256,11 +8681,6 @@
               </a:rPr>
               <a:t>  </a:t>
             </a:r>
-            <a:endParaRPr lang="en-US" dirty="0">
-              <a:latin typeface="Times New Roman" panose="02020503050405090304"/>
-              <a:ea typeface="+mn-lt"/>
-              <a:cs typeface="Times New Roman" panose="02020503050405090304"/>
-            </a:endParaRPr>
           </a:p>
           <a:p>
             <a:pPr>
@@ -9302,11 +8722,6 @@
               </a:rPr>
               <a:t>SVM performs much better with the majority class</a:t>
             </a:r>
-            <a:endParaRPr lang="en-US" dirty="0">
-              <a:latin typeface="Times New Roman" panose="02020503050405090304"/>
-              <a:ea typeface="Calibri"/>
-              <a:cs typeface="Times New Roman" panose="02020503050405090304"/>
-            </a:endParaRPr>
           </a:p>
           <a:p>
             <a:pPr marL="285750" indent="-285750">
@@ -9328,11 +8743,6 @@
               </a:rPr>
               <a:t>class-wise tuning</a:t>
             </a:r>
-            <a:endParaRPr lang="en-US" dirty="0">
-              <a:latin typeface="Times New Roman" panose="02020503050405090304"/>
-              <a:cs typeface="Times New Roman" panose="02020503050405090304"/>
-              <a:sym typeface="+mn-ea"/>
-            </a:endParaRPr>
           </a:p>
           <a:p>
             <a:pPr marL="742950" lvl="1" indent="-285750">
@@ -9365,7 +8775,7 @@
           <p:nvPr/>
         </p:nvPicPr>
         <p:blipFill>
-          <a:blip r:embed="rId1"/>
+          <a:blip r:embed="rId3"/>
           <a:stretch>
             <a:fillRect/>
           </a:stretch>
@@ -9458,7 +8868,7 @@
             <p:nvPr/>
           </p:nvPicPr>
           <p:blipFill>
-            <a:blip r:embed="rId2"/>
+            <a:blip r:embed="rId4"/>
             <a:stretch>
               <a:fillRect/>
             </a:stretch>
@@ -9482,7 +8892,7 @@
             <p:nvPr/>
           </p:nvPicPr>
           <p:blipFill>
-            <a:blip r:embed="rId3"/>
+            <a:blip r:embed="rId5"/>
             <a:stretch>
               <a:fillRect/>
             </a:stretch>
@@ -9506,7 +8916,7 @@
             <p:nvPr/>
           </p:nvPicPr>
           <p:blipFill>
-            <a:blip r:embed="rId4"/>
+            <a:blip r:embed="rId6"/>
             <a:stretch>
               <a:fillRect/>
             </a:stretch>
@@ -9530,7 +8940,7 @@
             <p:nvPr/>
           </p:nvPicPr>
           <p:blipFill>
-            <a:blip r:embed="rId5"/>
+            <a:blip r:embed="rId7"/>
             <a:stretch>
               <a:fillRect/>
             </a:stretch>
@@ -9566,6 +8976,7 @@
           <a:bodyPr rot="0" spcFirstLastPara="0" vertOverflow="overflow" horzOverflow="overflow" vert="horz" wrap="square" lIns="91440" tIns="45720" rIns="91440" bIns="45720" numCol="1" spcCol="0" rtlCol="0" fromWordArt="0" anchor="t" anchorCtr="0" forceAA="0" compatLnSpc="1">
             <a:spAutoFit/>
           </a:bodyPr>
+          <a:lstStyle/>
           <a:p>
             <a:pPr>
               <a:buFont typeface="Arial" panose="020B0604020202090204"/>
@@ -9579,11 +8990,6 @@
               </a:rPr>
               <a:t>   param_grid = {'C': [0.1, 1, 10, 100],</a:t>
             </a:r>
-            <a:endParaRPr lang="en-US" dirty="0">
-              <a:latin typeface="Times New Roman" panose="02020503050405090304"/>
-              <a:ea typeface="+mn-lt"/>
-              <a:cs typeface="Times New Roman" panose="02020503050405090304"/>
-            </a:endParaRPr>
           </a:p>
           <a:p>
             <a:pPr>
@@ -9597,10 +9003,6 @@
               </a:rPr>
               <a:t>              	             'kernel': ['linear', 'rbf'],</a:t>
             </a:r>
-            <a:endParaRPr lang="en-US" dirty="0">
-              <a:latin typeface="Times New Roman" panose="02020503050405090304"/>
-              <a:cs typeface="Times New Roman" panose="02020503050405090304"/>
-            </a:endParaRPr>
           </a:p>
           <a:p>
             <a:pPr>
@@ -9614,10 +9016,6 @@
               </a:rPr>
               <a:t>                            'gamma': [0.01, 0.1, 1, 10]}</a:t>
             </a:r>
-            <a:endParaRPr lang="en-US" dirty="0">
-              <a:latin typeface="Times New Roman" panose="02020503050405090304"/>
-              <a:cs typeface="Times New Roman" panose="02020503050405090304"/>
-            </a:endParaRPr>
           </a:p>
           <a:p>
             <a:pPr marL="285750" indent="-285750">
@@ -9720,7 +9118,7 @@
         <p:spPr>
           <a:xfrm>
             <a:off x="846326" y="436736"/>
-            <a:ext cx="5513070" cy="583565"/>
+            <a:ext cx="2555508" cy="584775"/>
           </a:xfrm>
           <a:prstGeom prst="rect">
             <a:avLst/>
@@ -9738,12 +9136,8 @@
                 <a:latin typeface="Times New Roman" panose="02020503050405090304"/>
                 <a:cs typeface="Times New Roman" panose="02020503050405090304"/>
               </a:rPr>
-              <a:t>6. Conclusion and Chanllenges</a:t>
-            </a:r>
-            <a:endParaRPr lang="en-US" sz="3200" b="1" dirty="0">
-              <a:latin typeface="Times New Roman" panose="02020503050405090304"/>
-              <a:cs typeface="Times New Roman" panose="02020503050405090304"/>
-            </a:endParaRPr>
+              <a:t>6. Conclusion</a:t>
+            </a:r>
           </a:p>
         </p:txBody>
       </p:sp>
@@ -9756,7 +9150,7 @@
         <p:spPr>
           <a:xfrm>
             <a:off x="5157470" y="3827780"/>
-            <a:ext cx="6108700" cy="2306955"/>
+            <a:ext cx="6108700" cy="1754326"/>
           </a:xfrm>
           <a:prstGeom prst="rect">
             <a:avLst/>
@@ -9831,44 +9225,6 @@
               </a:rPr>
               <a:t>LR or RF would the best model</a:t>
             </a:r>
-            <a:endParaRPr lang="en-US" dirty="0">
-              <a:latin typeface="Times New Roman" panose="02020503050405090304"/>
-              <a:cs typeface="Times New Roman" panose="02020503050405090304"/>
-            </a:endParaRPr>
-          </a:p>
-          <a:p>
-            <a:pPr marL="342900" indent="-342900">
-              <a:buFont typeface="Wingdings" panose="05000000000000000000"/>
-              <a:buChar char=""/>
-            </a:pPr>
-            <a:r>
-              <a:rPr lang="en-US" b="1" dirty="0">
-                <a:latin typeface="Times New Roman" panose="02020503050405090304"/>
-                <a:cs typeface="Times New Roman" panose="02020503050405090304"/>
-              </a:rPr>
-              <a:t>Challenges</a:t>
-            </a:r>
-            <a:endParaRPr lang="en-US" b="1" dirty="0">
-              <a:latin typeface="Times New Roman" panose="02020503050405090304"/>
-              <a:cs typeface="Times New Roman" panose="02020503050405090304"/>
-            </a:endParaRPr>
-          </a:p>
-          <a:p>
-            <a:pPr marL="800100" lvl="1" indent="-342900">
-              <a:buFont typeface="Courier New" panose="02070409020205090404"/>
-              <a:buChar char="o"/>
-            </a:pPr>
-            <a:r>
-              <a:rPr lang="en-US" dirty="0">
-                <a:latin typeface="Times New Roman" panose="02020503050405090304"/>
-                <a:cs typeface="Times New Roman" panose="02020503050405090304"/>
-              </a:rPr>
-              <a:t>Feature Selection: Quantity and Quality </a:t>
-            </a:r>
-            <a:endParaRPr lang="en-US" dirty="0">
-              <a:latin typeface="Times New Roman" panose="02020503050405090304"/>
-              <a:cs typeface="Times New Roman" panose="02020503050405090304"/>
-            </a:endParaRPr>
           </a:p>
         </p:txBody>
       </p:sp>
@@ -9881,7 +9237,7 @@
           <p:nvPr/>
         </p:nvPicPr>
         <p:blipFill>
-          <a:blip r:embed="rId1"/>
+          <a:blip r:embed="rId2"/>
           <a:stretch>
             <a:fillRect/>
           </a:stretch>
@@ -9937,11 +9293,6 @@
               </a:rPr>
               <a:t>Logistic Regression</a:t>
             </a:r>
-            <a:endParaRPr lang="en-US" sz="2000" b="1" dirty="0">
-              <a:latin typeface="Times New Roman Bold" panose="02020503050405090304" charset="0"/>
-              <a:cs typeface="Times New Roman Bold" panose="02020503050405090304" charset="0"/>
-              <a:sym typeface="+mn-ea"/>
-            </a:endParaRPr>
           </a:p>
         </p:txBody>
       </p:sp>
@@ -9979,11 +9330,6 @@
               </a:rPr>
               <a:t>Random Forest</a:t>
             </a:r>
-            <a:endParaRPr lang="en-US" sz="2000" b="1" dirty="0">
-              <a:latin typeface="Times New Roman Bold" panose="02020503050405090304" charset="0"/>
-              <a:cs typeface="Times New Roman Bold" panose="02020503050405090304" charset="0"/>
-              <a:sym typeface="+mn-ea"/>
-            </a:endParaRPr>
           </a:p>
         </p:txBody>
       </p:sp>
@@ -10021,11 +9367,6 @@
               </a:rPr>
               <a:t>Support Vector Machine</a:t>
             </a:r>
-            <a:endParaRPr lang="en-US" sz="2000" b="1" dirty="0">
-              <a:latin typeface="Times New Roman Bold" panose="02020503050405090304" charset="0"/>
-              <a:cs typeface="Times New Roman Bold" panose="02020503050405090304" charset="0"/>
-              <a:sym typeface="+mn-ea"/>
-            </a:endParaRPr>
           </a:p>
         </p:txBody>
       </p:sp>
@@ -10038,7 +9379,7 @@
           <p:nvPr/>
         </p:nvPicPr>
         <p:blipFill>
-          <a:blip r:embed="rId2"/>
+          <a:blip r:embed="rId3"/>
           <a:stretch>
             <a:fillRect/>
           </a:stretch>
@@ -10069,7 +9410,7 @@
           <p:nvPr/>
         </p:nvPicPr>
         <p:blipFill>
-          <a:blip r:embed="rId3"/>
+          <a:blip r:embed="rId4"/>
           <a:stretch>
             <a:fillRect/>
           </a:stretch>
@@ -10216,11 +9557,6 @@
               </a:rPr>
               <a:t>Early Intervention and Prevention</a:t>
             </a:r>
-            <a:endParaRPr lang="en-US" b="1">
-              <a:latin typeface="Times New Roman Bold" panose="02020503050405090304" charset="0"/>
-              <a:cs typeface="Times New Roman Bold" panose="02020503050405090304" charset="0"/>
-              <a:sym typeface="+mn-ea"/>
-            </a:endParaRPr>
           </a:p>
           <a:p>
             <a:pPr indent="0">
@@ -10235,6 +9571,12 @@
               </a:rPr>
               <a:t>By developing predictive models, healthcare professionals can identify early signs and risk factors, enabling targeted interventions to prevent the onset or progression of sleep disorders.</a:t>
             </a:r>
+          </a:p>
+          <a:p>
+            <a:pPr indent="0">
+              <a:buFont typeface="Wingdings" panose="05000000000000000000" charset="0"/>
+              <a:buNone/>
+            </a:pPr>
             <a:endParaRPr lang="en-US">
               <a:latin typeface="Times New Roman" panose="02020503050405090304" pitchFamily="18" charset="0"/>
               <a:cs typeface="Times New Roman" panose="02020503050405090304" pitchFamily="18" charset="0"/>
@@ -10242,6 +9584,34 @@
             </a:endParaRPr>
           </a:p>
           <a:p>
+            <a:pPr marL="285750" indent="-285750">
+              <a:buFont typeface="Wingdings" panose="05000000000000000000" charset="0"/>
+              <a:buChar char=""/>
+            </a:pPr>
+            <a:r>
+              <a:rPr lang="en-US" b="1">
+                <a:latin typeface="Times New Roman Bold" panose="02020503050405090304" charset="0"/>
+                <a:cs typeface="Times New Roman Bold" panose="02020503050405090304" charset="0"/>
+                <a:sym typeface="+mn-ea"/>
+              </a:rPr>
+              <a:t>Personalized Treatment Plans</a:t>
+            </a:r>
+          </a:p>
+          <a:p>
+            <a:pPr indent="0">
+              <a:buFont typeface="Wingdings" panose="05000000000000000000" charset="0"/>
+              <a:buNone/>
+            </a:pPr>
+            <a:r>
+              <a:rPr lang="en-US">
+                <a:latin typeface="Times New Roman" panose="02020503050405090304" pitchFamily="18" charset="0"/>
+                <a:cs typeface="Times New Roman" panose="02020503050405090304" pitchFamily="18" charset="0"/>
+                <a:sym typeface="+mn-ea"/>
+              </a:rPr>
+              <a:t>Predictive research allows for the customization of treatment plans based on an individual's specific risk factors and patterns. Personalized interventions can include lifestyle modifications, behavioral therapies, and tailored medication regimens, optimizing treatment efficacy and improving patient adherence.</a:t>
+            </a:r>
+          </a:p>
+          <a:p>
             <a:pPr indent="0">
               <a:buFont typeface="Wingdings" panose="05000000000000000000" charset="0"/>
               <a:buNone/>
@@ -10263,62 +9633,8 @@
                 <a:cs typeface="Times New Roman Bold" panose="02020503050405090304" charset="0"/>
                 <a:sym typeface="+mn-ea"/>
               </a:rPr>
-              <a:t>Personalized Treatment Plans</a:t>
-            </a:r>
-            <a:endParaRPr lang="en-US" b="1">
-              <a:latin typeface="Times New Roman Bold" panose="02020503050405090304" charset="0"/>
-              <a:cs typeface="Times New Roman Bold" panose="02020503050405090304" charset="0"/>
-              <a:sym typeface="+mn-ea"/>
-            </a:endParaRPr>
-          </a:p>
-          <a:p>
-            <a:pPr indent="0">
-              <a:buFont typeface="Wingdings" panose="05000000000000000000" charset="0"/>
-              <a:buNone/>
-            </a:pPr>
-            <a:r>
-              <a:rPr lang="en-US">
-                <a:latin typeface="Times New Roman" panose="02020503050405090304" pitchFamily="18" charset="0"/>
-                <a:cs typeface="Times New Roman" panose="02020503050405090304" pitchFamily="18" charset="0"/>
-                <a:sym typeface="+mn-ea"/>
-              </a:rPr>
-              <a:t>Predictive research allows for the customization of treatment plans based on an individual's specific risk factors and patterns. Personalized interventions can include lifestyle modifications, behavioral therapies, and tailored medication regimens, optimizing treatment efficacy and improving patient adherence.</a:t>
-            </a:r>
-            <a:endParaRPr lang="en-US">
-              <a:latin typeface="Times New Roman" panose="02020503050405090304" pitchFamily="18" charset="0"/>
-              <a:cs typeface="Times New Roman" panose="02020503050405090304" pitchFamily="18" charset="0"/>
-              <a:sym typeface="+mn-ea"/>
-            </a:endParaRPr>
-          </a:p>
-          <a:p>
-            <a:pPr indent="0">
-              <a:buFont typeface="Wingdings" panose="05000000000000000000" charset="0"/>
-              <a:buNone/>
-            </a:pPr>
-            <a:endParaRPr lang="en-US">
-              <a:latin typeface="Times New Roman" panose="02020503050405090304" pitchFamily="18" charset="0"/>
-              <a:cs typeface="Times New Roman" panose="02020503050405090304" pitchFamily="18" charset="0"/>
-              <a:sym typeface="+mn-ea"/>
-            </a:endParaRPr>
-          </a:p>
-          <a:p>
-            <a:pPr marL="285750" indent="-285750">
-              <a:buFont typeface="Wingdings" panose="05000000000000000000" charset="0"/>
-              <a:buChar char=""/>
-            </a:pPr>
-            <a:r>
-              <a:rPr lang="en-US" b="1">
-                <a:latin typeface="Times New Roman Bold" panose="02020503050405090304" charset="0"/>
-                <a:cs typeface="Times New Roman Bold" panose="02020503050405090304" charset="0"/>
-                <a:sym typeface="+mn-ea"/>
-              </a:rPr>
               <a:t>Public Health Impact</a:t>
             </a:r>
-            <a:endParaRPr lang="en-US" b="1">
-              <a:latin typeface="Times New Roman Bold" panose="02020503050405090304" charset="0"/>
-              <a:cs typeface="Times New Roman Bold" panose="02020503050405090304" charset="0"/>
-              <a:sym typeface="+mn-ea"/>
-            </a:endParaRPr>
           </a:p>
           <a:p>
             <a:pPr indent="0">
@@ -10461,10 +9777,6 @@
               </a:rPr>
               <a:t>Peter Tran  |  Youxia Zhao</a:t>
             </a:r>
-            <a:endParaRPr lang="en-US" sz="2400">
-              <a:latin typeface="Times New Roman" panose="02020503050405090304" pitchFamily="18" charset="0"/>
-              <a:cs typeface="Times New Roman" panose="02020503050405090304" pitchFamily="18" charset="0"/>
-            </a:endParaRPr>
           </a:p>
           <a:p>
             <a:pPr algn="r"/>
@@ -10475,10 +9787,6 @@
               </a:rPr>
               <a:t>COMPSCI 524</a:t>
             </a:r>
-            <a:endParaRPr lang="en-US" sz="2400">
-              <a:latin typeface="Times New Roman" panose="02020503050405090304" pitchFamily="18" charset="0"/>
-              <a:cs typeface="Times New Roman" panose="02020503050405090304" pitchFamily="18" charset="0"/>
-            </a:endParaRPr>
           </a:p>
         </p:txBody>
       </p:sp>
@@ -10588,13 +9896,6 @@
               </a:rPr>
               <a:t>earning</a:t>
             </a:r>
-            <a:endParaRPr lang="en-US" sz="3200" b="1" i="0" u="none" strike="noStrike">
-              <a:solidFill>
-                <a:srgbClr val="000000"/>
-              </a:solidFill>
-              <a:effectLst/>
-              <a:latin typeface="Times New Roman" panose="02020503050405090304" pitchFamily="18" charset="0"/>
-            </a:endParaRPr>
           </a:p>
           <a:p>
             <a:r>
@@ -10626,13 +9927,6 @@
               </a:rPr>
               <a:t>isorders</a:t>
             </a:r>
-            <a:endParaRPr lang="en-US" sz="3200" b="1" i="0" u="none" strike="noStrike">
-              <a:solidFill>
-                <a:srgbClr val="000000"/>
-              </a:solidFill>
-              <a:effectLst/>
-              <a:latin typeface="Times New Roman" panose="02020503050405090304" pitchFamily="18" charset="0"/>
-            </a:endParaRPr>
           </a:p>
           <a:p>
             <a:r>
@@ -10706,10 +10000,6 @@
               </a:rPr>
               <a:t>Peter Tran  |  Youxia Zhao</a:t>
             </a:r>
-            <a:endParaRPr lang="en-US" sz="2400">
-              <a:latin typeface="Times New Roman" panose="02020503050405090304" pitchFamily="18" charset="0"/>
-              <a:cs typeface="Times New Roman" panose="02020503050405090304" pitchFamily="18" charset="0"/>
-            </a:endParaRPr>
           </a:p>
           <a:p>
             <a:r>
@@ -10719,10 +10009,6 @@
               </a:rPr>
               <a:t>COMPSCI 524</a:t>
             </a:r>
-            <a:endParaRPr lang="en-US" sz="2400">
-              <a:latin typeface="Times New Roman" panose="02020503050405090304" pitchFamily="18" charset="0"/>
-              <a:cs typeface="Times New Roman" panose="02020503050405090304" pitchFamily="18" charset="0"/>
-            </a:endParaRPr>
           </a:p>
         </p:txBody>
       </p:sp>
@@ -10811,10 +10097,6 @@
               </a:rPr>
               <a:t>Presentation Outline</a:t>
             </a:r>
-            <a:endParaRPr lang="en-US" sz="3200" b="1">
-              <a:latin typeface="Times New Roman" panose="02020503050405090304" pitchFamily="18" charset="0"/>
-              <a:cs typeface="Times New Roman" panose="02020503050405090304" pitchFamily="18" charset="0"/>
-            </a:endParaRPr>
           </a:p>
         </p:txBody>
       </p:sp>
@@ -10847,6 +10129,60 @@
               </a:rPr>
               <a:t>1. Project Background and Motivation</a:t>
             </a:r>
+          </a:p>
+          <a:p>
+            <a:r>
+              <a:rPr lang="en-US" sz="2400">
+                <a:latin typeface="Times New Roman" panose="02020503050405090304" pitchFamily="18" charset="0"/>
+                <a:cs typeface="Times New Roman" panose="02020503050405090304" pitchFamily="18" charset="0"/>
+              </a:rPr>
+              <a:t>2. Project Objectives</a:t>
+            </a:r>
+          </a:p>
+          <a:p>
+            <a:r>
+              <a:rPr lang="en-US" sz="2400">
+                <a:latin typeface="Times New Roman" panose="02020503050405090304" pitchFamily="18" charset="0"/>
+                <a:cs typeface="Times New Roman" panose="02020503050405090304" pitchFamily="18" charset="0"/>
+              </a:rPr>
+              <a:t>3. Dataset and Features Selection</a:t>
+            </a:r>
+          </a:p>
+          <a:p>
+            <a:r>
+              <a:rPr lang="en-US" sz="2400">
+                <a:latin typeface="Times New Roman" panose="02020503050405090304" pitchFamily="18" charset="0"/>
+                <a:cs typeface="Times New Roman" panose="02020503050405090304" pitchFamily="18" charset="0"/>
+              </a:rPr>
+              <a:t>	a. Dataset Description</a:t>
+            </a:r>
+          </a:p>
+          <a:p>
+            <a:r>
+              <a:rPr lang="en-US" sz="2400">
+                <a:latin typeface="Times New Roman" panose="02020503050405090304" pitchFamily="18" charset="0"/>
+                <a:cs typeface="Times New Roman" panose="02020503050405090304" pitchFamily="18" charset="0"/>
+              </a:rPr>
+              <a:t>	b. DAG Analysis</a:t>
+            </a:r>
+          </a:p>
+          <a:p>
+            <a:r>
+              <a:rPr lang="en-US" sz="2400">
+                <a:latin typeface="Times New Roman" panose="02020503050405090304" pitchFamily="18" charset="0"/>
+                <a:cs typeface="Times New Roman" panose="02020503050405090304" pitchFamily="18" charset="0"/>
+              </a:rPr>
+              <a:t>4. Data Cleaning and Preprocessing</a:t>
+            </a:r>
+          </a:p>
+          <a:p>
+            <a:r>
+              <a:rPr lang="en-US" sz="2400">
+                <a:latin typeface="Times New Roman" panose="02020503050405090304"/>
+                <a:cs typeface="Times New Roman" panose="02020503050405090304"/>
+              </a:rPr>
+              <a:t>5. Methodology and Results</a:t>
+            </a:r>
             <a:endParaRPr lang="en-US" sz="2400">
               <a:latin typeface="Times New Roman" panose="02020503050405090304" pitchFamily="18" charset="0"/>
               <a:cs typeface="Times New Roman" panose="02020503050405090304" pitchFamily="18" charset="0"/>
@@ -10858,64 +10194,8 @@
                 <a:latin typeface="Times New Roman" panose="02020503050405090304" pitchFamily="18" charset="0"/>
                 <a:cs typeface="Times New Roman" panose="02020503050405090304" pitchFamily="18" charset="0"/>
               </a:rPr>
-              <a:t>2. Project Objectives</a:t>
-            </a:r>
-            <a:endParaRPr lang="en-US" sz="2400">
-              <a:latin typeface="Times New Roman" panose="02020503050405090304" pitchFamily="18" charset="0"/>
-              <a:cs typeface="Times New Roman" panose="02020503050405090304" pitchFamily="18" charset="0"/>
-            </a:endParaRPr>
-          </a:p>
-          <a:p>
-            <a:r>
-              <a:rPr lang="en-US" sz="2400">
-                <a:latin typeface="Times New Roman" panose="02020503050405090304" pitchFamily="18" charset="0"/>
-                <a:cs typeface="Times New Roman" panose="02020503050405090304" pitchFamily="18" charset="0"/>
-              </a:rPr>
-              <a:t>3. Dataset and Features Selection</a:t>
-            </a:r>
-            <a:endParaRPr lang="en-US" sz="2400">
-              <a:latin typeface="Times New Roman" panose="02020503050405090304" pitchFamily="18" charset="0"/>
-              <a:cs typeface="Times New Roman" panose="02020503050405090304" pitchFamily="18" charset="0"/>
-            </a:endParaRPr>
-          </a:p>
-          <a:p>
-            <a:r>
-              <a:rPr lang="en-US" sz="2400">
-                <a:latin typeface="Times New Roman" panose="02020503050405090304" pitchFamily="18" charset="0"/>
-                <a:cs typeface="Times New Roman" panose="02020503050405090304" pitchFamily="18" charset="0"/>
-              </a:rPr>
-              <a:t>	a. Dataset Description</a:t>
-            </a:r>
-            <a:endParaRPr lang="en-US" sz="2400">
-              <a:latin typeface="Times New Roman" panose="02020503050405090304" pitchFamily="18" charset="0"/>
-              <a:cs typeface="Times New Roman" panose="02020503050405090304" pitchFamily="18" charset="0"/>
-            </a:endParaRPr>
-          </a:p>
-          <a:p>
-            <a:r>
-              <a:rPr lang="en-US" sz="2400">
-                <a:latin typeface="Times New Roman" panose="02020503050405090304" pitchFamily="18" charset="0"/>
-                <a:cs typeface="Times New Roman" panose="02020503050405090304" pitchFamily="18" charset="0"/>
-              </a:rPr>
-              <a:t>	b. DAG Analysis</a:t>
-            </a:r>
-            <a:endParaRPr lang="en-US" sz="2400">
-              <a:latin typeface="Times New Roman" panose="02020503050405090304" pitchFamily="18" charset="0"/>
-              <a:cs typeface="Times New Roman" panose="02020503050405090304" pitchFamily="18" charset="0"/>
-            </a:endParaRPr>
-          </a:p>
-          <a:p>
-            <a:r>
-              <a:rPr lang="en-US" sz="2400">
-                <a:latin typeface="Times New Roman" panose="02020503050405090304" pitchFamily="18" charset="0"/>
-                <a:cs typeface="Times New Roman" panose="02020503050405090304" pitchFamily="18" charset="0"/>
-              </a:rPr>
-              <a:t>4. Data Cleaning and Preprocessing</a:t>
-            </a:r>
-            <a:endParaRPr lang="en-US" sz="2400">
-              <a:latin typeface="Times New Roman" panose="02020503050405090304" pitchFamily="18" charset="0"/>
-              <a:cs typeface="Times New Roman" panose="02020503050405090304" pitchFamily="18" charset="0"/>
-            </a:endParaRPr>
+              <a:t>	a. Logistic Regression as baseline model</a:t>
+            </a:r>
           </a:p>
           <a:p>
             <a:r>
@@ -10923,25 +10203,8 @@
                 <a:latin typeface="Times New Roman" panose="02020503050405090304"/>
                 <a:cs typeface="Times New Roman" panose="02020503050405090304"/>
               </a:rPr>
-              <a:t>5. Methodology and Results</a:t>
-            </a:r>
-            <a:endParaRPr lang="en-US" sz="2400">
-              <a:latin typeface="Times New Roman" panose="02020503050405090304" pitchFamily="18" charset="0"/>
-              <a:cs typeface="Times New Roman" panose="02020503050405090304" pitchFamily="18" charset="0"/>
-            </a:endParaRPr>
-          </a:p>
-          <a:p>
-            <a:r>
-              <a:rPr lang="en-US" sz="2400">
-                <a:latin typeface="Times New Roman" panose="02020503050405090304" pitchFamily="18" charset="0"/>
-                <a:cs typeface="Times New Roman" panose="02020503050405090304" pitchFamily="18" charset="0"/>
-              </a:rPr>
-              <a:t>	a. Logistic Regression as baseline model</a:t>
-            </a:r>
-            <a:endParaRPr lang="en-US" sz="2400">
-              <a:latin typeface="Times New Roman" panose="02020503050405090304" pitchFamily="18" charset="0"/>
-              <a:cs typeface="Times New Roman" panose="02020503050405090304" pitchFamily="18" charset="0"/>
-            </a:endParaRPr>
+              <a:t>	b. Exploration of Random Forest Classifier (RFC)</a:t>
+            </a:r>
           </a:p>
           <a:p>
             <a:r>
@@ -10949,25 +10212,8 @@
                 <a:latin typeface="Times New Roman" panose="02020503050405090304"/>
                 <a:cs typeface="Times New Roman" panose="02020503050405090304"/>
               </a:rPr>
-              <a:t>	b. Exploration of Random Forest Classifier (RFC)</a:t>
-            </a:r>
-            <a:endParaRPr lang="en-US" sz="2400">
-              <a:latin typeface="Times New Roman" panose="02020503050405090304"/>
-              <a:cs typeface="Times New Roman" panose="02020503050405090304"/>
-            </a:endParaRPr>
-          </a:p>
-          <a:p>
-            <a:r>
-              <a:rPr lang="en-US" sz="2400">
-                <a:latin typeface="Times New Roman" panose="02020503050405090304"/>
-                <a:cs typeface="Times New Roman" panose="02020503050405090304"/>
-              </a:rPr>
               <a:t>	c. Exploration of Support Vector Machine (SVM)</a:t>
             </a:r>
-            <a:endParaRPr lang="en-US" sz="2400">
-              <a:latin typeface="Times New Roman" panose="02020503050405090304"/>
-              <a:cs typeface="Times New Roman" panose="02020503050405090304"/>
-            </a:endParaRPr>
           </a:p>
           <a:p>
             <a:r>
@@ -11081,10 +10327,6 @@
               </a:rPr>
               <a:t>3. Dataset and Features Selection</a:t>
             </a:r>
-            <a:endParaRPr lang="en-US" sz="3200" b="1">
-              <a:latin typeface="Times New Roman" panose="02020503050405090304" pitchFamily="18" charset="0"/>
-              <a:cs typeface="Times New Roman" panose="02020503050405090304" pitchFamily="18" charset="0"/>
-            </a:endParaRPr>
           </a:p>
         </p:txBody>
       </p:sp>
@@ -11097,7 +10339,7 @@
           <p:nvPr/>
         </p:nvPicPr>
         <p:blipFill>
-          <a:blip r:embed="rId1"/>
+          <a:blip r:embed="rId3"/>
           <a:stretch>
             <a:fillRect/>
           </a:stretch>
@@ -11121,7 +10363,7 @@
           <p:nvPr/>
         </p:nvPicPr>
         <p:blipFill>
-          <a:blip r:embed="rId2"/>
+          <a:blip r:embed="rId4"/>
           <a:srcRect t="8618"/>
           <a:stretch>
             <a:fillRect/>
@@ -11146,7 +10388,7 @@
           <p:nvPr/>
         </p:nvPicPr>
         <p:blipFill>
-          <a:blip r:embed="rId3"/>
+          <a:blip r:embed="rId5"/>
           <a:stretch>
             <a:fillRect/>
           </a:stretch>
@@ -11181,6 +10423,7 @@
           <a:bodyPr wrap="none" rtlCol="0">
             <a:spAutoFit/>
           </a:bodyPr>
+          <a:lstStyle/>
           <a:p>
             <a:pPr indent="0" algn="ctr">
               <a:buFont typeface="Wingdings" panose="05000000000000000000" pitchFamily="2" charset="2"/>
@@ -11193,10 +10436,6 @@
               </a:rPr>
               <a:t>Blood Pressure</a:t>
             </a:r>
-            <a:endParaRPr lang="en-US" sz="2000" b="1">
-              <a:latin typeface="Times New Roman" panose="02020503050405090304" pitchFamily="18" charset="0"/>
-              <a:cs typeface="Times New Roman" panose="02020503050405090304" pitchFamily="18" charset="0"/>
-            </a:endParaRPr>
           </a:p>
         </p:txBody>
       </p:sp>
@@ -11220,6 +10459,7 @@
           <a:bodyPr wrap="none" rtlCol="0">
             <a:spAutoFit/>
           </a:bodyPr>
+          <a:lstStyle/>
           <a:p>
             <a:pPr indent="0" algn="ctr">
               <a:buFont typeface="Wingdings" panose="05000000000000000000" pitchFamily="2" charset="2"/>
@@ -11232,10 +10472,6 @@
               </a:rPr>
               <a:t>Magnesium</a:t>
             </a:r>
-            <a:endParaRPr lang="en-US" sz="2000" b="1">
-              <a:latin typeface="Times New Roman" panose="02020503050405090304" pitchFamily="18" charset="0"/>
-              <a:cs typeface="Times New Roman" panose="02020503050405090304" pitchFamily="18" charset="0"/>
-            </a:endParaRPr>
           </a:p>
         </p:txBody>
       </p:sp>
@@ -11259,6 +10495,7 @@
           <a:bodyPr wrap="none" rtlCol="0">
             <a:spAutoFit/>
           </a:bodyPr>
+          <a:lstStyle/>
           <a:p>
             <a:pPr indent="0" algn="ctr">
               <a:buFont typeface="Wingdings" panose="05000000000000000000" pitchFamily="2" charset="2"/>
@@ -11271,10 +10508,6 @@
               </a:rPr>
               <a:t>Iron</a:t>
             </a:r>
-            <a:endParaRPr lang="en-US" sz="2000" b="1">
-              <a:latin typeface="Times New Roman" panose="02020503050405090304" pitchFamily="18" charset="0"/>
-              <a:cs typeface="Times New Roman" panose="02020503050405090304" pitchFamily="18" charset="0"/>
-            </a:endParaRPr>
           </a:p>
         </p:txBody>
       </p:sp>
@@ -11371,10 +10604,6 @@
               </a:rPr>
               <a:t>1. Project Background and Motivation</a:t>
             </a:r>
-            <a:endParaRPr lang="en-US" sz="3200" b="1">
-              <a:latin typeface="Times New Roman" panose="02020503050405090304" pitchFamily="18" charset="0"/>
-              <a:cs typeface="Times New Roman" panose="02020503050405090304" pitchFamily="18" charset="0"/>
-            </a:endParaRPr>
           </a:p>
         </p:txBody>
       </p:sp>
@@ -11466,10 +10695,6 @@
                 </a:rPr>
                 <a:t>Pervasive</a:t>
               </a:r>
-              <a:endParaRPr lang="en-US" sz="3200" b="1">
-                <a:latin typeface="Times New Roman" panose="02020503050405090304" pitchFamily="18" charset="0"/>
-                <a:cs typeface="Times New Roman" panose="02020503050405090304" pitchFamily="18" charset="0"/>
-              </a:endParaRPr>
             </a:p>
             <a:p>
               <a:pPr algn="ctr"/>
@@ -11480,10 +10705,6 @@
                 </a:rPr>
                 <a:t>Issue</a:t>
               </a:r>
-              <a:endParaRPr lang="en-US" sz="3200" b="1">
-                <a:latin typeface="Times New Roman" panose="02020503050405090304" pitchFamily="18" charset="0"/>
-                <a:cs typeface="Times New Roman" panose="02020503050405090304" pitchFamily="18" charset="0"/>
-              </a:endParaRPr>
             </a:p>
           </p:txBody>
         </p:sp>
@@ -11561,10 +10782,6 @@
                 </a:rPr>
                 <a:t>Grave</a:t>
               </a:r>
-              <a:endParaRPr lang="en-US" sz="3200" b="1">
-                <a:latin typeface="Times New Roman" panose="02020503050405090304" pitchFamily="18" charset="0"/>
-                <a:cs typeface="Times New Roman" panose="02020503050405090304" pitchFamily="18" charset="0"/>
-              </a:endParaRPr>
             </a:p>
             <a:p>
               <a:pPr algn="ctr"/>
@@ -11575,10 +10792,6 @@
                 </a:rPr>
                 <a:t>Impact</a:t>
               </a:r>
-              <a:endParaRPr lang="en-US" sz="3200" b="1">
-                <a:latin typeface="Times New Roman" panose="02020503050405090304" pitchFamily="18" charset="0"/>
-                <a:cs typeface="Times New Roman" panose="02020503050405090304" pitchFamily="18" charset="0"/>
-              </a:endParaRPr>
             </a:p>
           </p:txBody>
         </p:sp>
@@ -11656,10 +10869,6 @@
                 </a:rPr>
                 <a:t>Untapped</a:t>
               </a:r>
-              <a:endParaRPr lang="en-US" sz="3200" b="1">
-                <a:latin typeface="Times New Roman" panose="02020503050405090304" pitchFamily="18" charset="0"/>
-                <a:cs typeface="Times New Roman" panose="02020503050405090304" pitchFamily="18" charset="0"/>
-              </a:endParaRPr>
             </a:p>
             <a:p>
               <a:pPr algn="ctr"/>
@@ -11670,10 +10879,6 @@
                 </a:rPr>
                 <a:t>Potential</a:t>
               </a:r>
-              <a:endParaRPr lang="en-US" sz="3200" b="1">
-                <a:latin typeface="Times New Roman" panose="02020503050405090304" pitchFamily="18" charset="0"/>
-                <a:cs typeface="Times New Roman" panose="02020503050405090304" pitchFamily="18" charset="0"/>
-              </a:endParaRPr>
             </a:p>
           </p:txBody>
         </p:sp>
@@ -11683,13 +10888,6 @@
   <p:clrMapOvr>
     <a:masterClrMapping/>
   </p:clrMapOvr>
-  <p:timing>
-    <p:tnLst>
-      <p:par>
-        <p:cTn id="1" dur="indefinite" restart="never" nodeType="tmRoot"/>
-      </p:par>
-    </p:tnLst>
-  </p:timing>
 </p:sld>
 </file>
 
@@ -11777,10 +10975,6 @@
               </a:rPr>
               <a:t>1. Project Background and Motivation</a:t>
             </a:r>
-            <a:endParaRPr lang="en-US" sz="3200" b="1">
-              <a:latin typeface="Times New Roman" panose="02020503050405090304" pitchFamily="18" charset="0"/>
-              <a:cs typeface="Times New Roman" panose="02020503050405090304" pitchFamily="18" charset="0"/>
-            </a:endParaRPr>
           </a:p>
         </p:txBody>
       </p:sp>
@@ -11872,10 +11066,6 @@
                 </a:rPr>
                 <a:t>Pervasive</a:t>
               </a:r>
-              <a:endParaRPr lang="en-US" sz="3200" b="1">
-                <a:latin typeface="Times New Roman" panose="02020503050405090304" pitchFamily="18" charset="0"/>
-                <a:cs typeface="Times New Roman" panose="02020503050405090304" pitchFamily="18" charset="0"/>
-              </a:endParaRPr>
             </a:p>
             <a:p>
               <a:pPr algn="ctr"/>
@@ -11886,10 +11076,6 @@
                 </a:rPr>
                 <a:t>Issue</a:t>
               </a:r>
-              <a:endParaRPr lang="en-US" sz="3200" b="1">
-                <a:latin typeface="Times New Roman" panose="02020503050405090304" pitchFamily="18" charset="0"/>
-                <a:cs typeface="Times New Roman" panose="02020503050405090304" pitchFamily="18" charset="0"/>
-              </a:endParaRPr>
             </a:p>
           </p:txBody>
         </p:sp>
@@ -11967,10 +11153,6 @@
                 </a:rPr>
                 <a:t>Grave</a:t>
               </a:r>
-              <a:endParaRPr lang="en-US" sz="3200" b="1">
-                <a:latin typeface="Times New Roman" panose="02020503050405090304" pitchFamily="18" charset="0"/>
-                <a:cs typeface="Times New Roman" panose="02020503050405090304" pitchFamily="18" charset="0"/>
-              </a:endParaRPr>
             </a:p>
             <a:p>
               <a:pPr algn="ctr"/>
@@ -11981,10 +11163,6 @@
                 </a:rPr>
                 <a:t>Impact</a:t>
               </a:r>
-              <a:endParaRPr lang="en-US" sz="3200" b="1">
-                <a:latin typeface="Times New Roman" panose="02020503050405090304" pitchFamily="18" charset="0"/>
-                <a:cs typeface="Times New Roman" panose="02020503050405090304" pitchFamily="18" charset="0"/>
-              </a:endParaRPr>
             </a:p>
           </p:txBody>
         </p:sp>
@@ -12062,10 +11240,6 @@
                 </a:rPr>
                 <a:t>Untapped</a:t>
               </a:r>
-              <a:endParaRPr lang="en-US" sz="3200" b="1">
-                <a:latin typeface="Times New Roman" panose="02020503050405090304" pitchFamily="18" charset="0"/>
-                <a:cs typeface="Times New Roman" panose="02020503050405090304" pitchFamily="18" charset="0"/>
-              </a:endParaRPr>
             </a:p>
             <a:p>
               <a:pPr algn="ctr"/>
@@ -12076,10 +11250,6 @@
                 </a:rPr>
                 <a:t>Potential</a:t>
               </a:r>
-              <a:endParaRPr lang="en-US" sz="3200" b="1">
-                <a:latin typeface="Times New Roman" panose="02020503050405090304" pitchFamily="18" charset="0"/>
-                <a:cs typeface="Times New Roman" panose="02020503050405090304" pitchFamily="18" charset="0"/>
-              </a:endParaRPr>
             </a:p>
           </p:txBody>
         </p:sp>
@@ -12104,6 +11274,7 @@
           <a:bodyPr wrap="square" rtlCol="0">
             <a:spAutoFit/>
           </a:bodyPr>
+          <a:lstStyle/>
           <a:p>
             <a:r>
               <a:rPr lang="en-US" b="1">
@@ -12112,10 +11283,6 @@
               </a:rPr>
               <a:t>*Pervasive Issue:</a:t>
             </a:r>
-            <a:endParaRPr lang="en-US" b="1">
-              <a:latin typeface="Times New Roman" panose="02020503050405090304" pitchFamily="18" charset="0"/>
-              <a:cs typeface="Times New Roman" panose="02020503050405090304" pitchFamily="18" charset="0"/>
-            </a:endParaRPr>
           </a:p>
           <a:p>
             <a:r>
@@ -12167,10 +11334,6 @@
               </a:rPr>
               <a:t>people worldwide—nearly 10 times greater than previous estimates.</a:t>
             </a:r>
-            <a:endParaRPr lang="en-US">
-              <a:latin typeface="Times New Roman" panose="02020503050405090304" pitchFamily="18" charset="0"/>
-              <a:cs typeface="Times New Roman" panose="02020503050405090304" pitchFamily="18" charset="0"/>
-            </a:endParaRPr>
           </a:p>
         </p:txBody>
       </p:sp>
@@ -12179,13 +11342,6 @@
   <p:clrMapOvr>
     <a:masterClrMapping/>
   </p:clrMapOvr>
-  <p:timing>
-    <p:tnLst>
-      <p:par>
-        <p:cTn id="1" dur="indefinite" restart="never" nodeType="tmRoot"/>
-      </p:par>
-    </p:tnLst>
-  </p:timing>
 </p:sld>
 </file>
 
@@ -12273,10 +11429,6 @@
               </a:rPr>
               <a:t>1. Project Background and Motivation</a:t>
             </a:r>
-            <a:endParaRPr lang="en-US" sz="3200" b="1">
-              <a:latin typeface="Times New Roman" panose="02020503050405090304" pitchFamily="18" charset="0"/>
-              <a:cs typeface="Times New Roman" panose="02020503050405090304" pitchFamily="18" charset="0"/>
-            </a:endParaRPr>
           </a:p>
         </p:txBody>
       </p:sp>
@@ -12368,10 +11520,6 @@
                 </a:rPr>
                 <a:t>Pervasive</a:t>
               </a:r>
-              <a:endParaRPr lang="en-US" sz="3200" b="1">
-                <a:latin typeface="Times New Roman" panose="02020503050405090304" pitchFamily="18" charset="0"/>
-                <a:cs typeface="Times New Roman" panose="02020503050405090304" pitchFamily="18" charset="0"/>
-              </a:endParaRPr>
             </a:p>
             <a:p>
               <a:pPr algn="ctr"/>
@@ -12382,10 +11530,6 @@
                 </a:rPr>
                 <a:t>Issue</a:t>
               </a:r>
-              <a:endParaRPr lang="en-US" sz="3200" b="1">
-                <a:latin typeface="Times New Roman" panose="02020503050405090304" pitchFamily="18" charset="0"/>
-                <a:cs typeface="Times New Roman" panose="02020503050405090304" pitchFamily="18" charset="0"/>
-              </a:endParaRPr>
             </a:p>
           </p:txBody>
         </p:sp>
@@ -12463,10 +11607,6 @@
                 </a:rPr>
                 <a:t>Grave</a:t>
               </a:r>
-              <a:endParaRPr lang="en-US" sz="3200" b="1">
-                <a:latin typeface="Times New Roman" panose="02020503050405090304" pitchFamily="18" charset="0"/>
-                <a:cs typeface="Times New Roman" panose="02020503050405090304" pitchFamily="18" charset="0"/>
-              </a:endParaRPr>
             </a:p>
             <a:p>
               <a:pPr algn="ctr"/>
@@ -12477,10 +11617,6 @@
                 </a:rPr>
                 <a:t>Impact</a:t>
               </a:r>
-              <a:endParaRPr lang="en-US" sz="3200" b="1">
-                <a:latin typeface="Times New Roman" panose="02020503050405090304" pitchFamily="18" charset="0"/>
-                <a:cs typeface="Times New Roman" panose="02020503050405090304" pitchFamily="18" charset="0"/>
-              </a:endParaRPr>
             </a:p>
           </p:txBody>
         </p:sp>
@@ -12558,10 +11694,6 @@
                 </a:rPr>
                 <a:t>Untapped</a:t>
               </a:r>
-              <a:endParaRPr lang="en-US" sz="3200" b="1">
-                <a:latin typeface="Times New Roman" panose="02020503050405090304" pitchFamily="18" charset="0"/>
-                <a:cs typeface="Times New Roman" panose="02020503050405090304" pitchFamily="18" charset="0"/>
-              </a:endParaRPr>
             </a:p>
             <a:p>
               <a:pPr algn="ctr"/>
@@ -12572,10 +11704,6 @@
                 </a:rPr>
                 <a:t>Potential</a:t>
               </a:r>
-              <a:endParaRPr lang="en-US" sz="3200" b="1">
-                <a:latin typeface="Times New Roman" panose="02020503050405090304" pitchFamily="18" charset="0"/>
-                <a:cs typeface="Times New Roman" panose="02020503050405090304" pitchFamily="18" charset="0"/>
-              </a:endParaRPr>
             </a:p>
           </p:txBody>
         </p:sp>
@@ -12609,10 +11737,6 @@
               </a:rPr>
               <a:t>*Grave Impact:</a:t>
             </a:r>
-            <a:endParaRPr lang="en-US" b="1">
-              <a:latin typeface="Times New Roman" panose="02020503050405090304" pitchFamily="18" charset="0"/>
-              <a:cs typeface="Times New Roman" panose="02020503050405090304" pitchFamily="18" charset="0"/>
-            </a:endParaRPr>
           </a:p>
           <a:p>
             <a:r>
@@ -12622,10 +11746,6 @@
               </a:rPr>
               <a:t>Increased risk of Chronic Conditions, Weakened Immune System, Increased risk of Depression and Anxiety</a:t>
             </a:r>
-            <a:endParaRPr lang="en-US">
-              <a:latin typeface="Times New Roman" panose="02020503050405090304" pitchFamily="18" charset="0"/>
-              <a:cs typeface="Times New Roman" panose="02020503050405090304" pitchFamily="18" charset="0"/>
-            </a:endParaRPr>
           </a:p>
         </p:txBody>
       </p:sp>
@@ -12634,13 +11754,6 @@
   <p:clrMapOvr>
     <a:masterClrMapping/>
   </p:clrMapOvr>
-  <p:timing>
-    <p:tnLst>
-      <p:par>
-        <p:cTn id="1" dur="indefinite" restart="never" nodeType="tmRoot"/>
-      </p:par>
-    </p:tnLst>
-  </p:timing>
 </p:sld>
 </file>
 
@@ -12728,10 +11841,6 @@
               </a:rPr>
               <a:t>1. Project Background and Motivation</a:t>
             </a:r>
-            <a:endParaRPr lang="en-US" sz="3200" b="1">
-              <a:latin typeface="Times New Roman" panose="02020503050405090304" pitchFamily="18" charset="0"/>
-              <a:cs typeface="Times New Roman" panose="02020503050405090304" pitchFamily="18" charset="0"/>
-            </a:endParaRPr>
           </a:p>
         </p:txBody>
       </p:sp>
@@ -12786,6 +11895,7 @@
           </p:style>
           <p:txBody>
             <a:bodyPr rtlCol="0" anchor="ctr"/>
+            <a:lstStyle/>
             <a:p>
               <a:pPr algn="ctr"/>
               <a:endParaRPr lang="en-US"/>
@@ -12812,6 +11922,7 @@
             <a:bodyPr wrap="none" rtlCol="0">
               <a:spAutoFit/>
             </a:bodyPr>
+            <a:lstStyle/>
             <a:p>
               <a:pPr algn="ctr"/>
               <a:r>
@@ -12821,10 +11932,6 @@
                 </a:rPr>
                 <a:t>Pervasive</a:t>
               </a:r>
-              <a:endParaRPr lang="en-US" sz="3200" b="1">
-                <a:latin typeface="Times New Roman" panose="02020503050405090304" pitchFamily="18" charset="0"/>
-                <a:cs typeface="Times New Roman" panose="02020503050405090304" pitchFamily="18" charset="0"/>
-              </a:endParaRPr>
             </a:p>
             <a:p>
               <a:pPr algn="ctr"/>
@@ -12835,10 +11942,6 @@
                 </a:rPr>
                 <a:t>Issue</a:t>
               </a:r>
-              <a:endParaRPr lang="en-US" sz="3200" b="1">
-                <a:latin typeface="Times New Roman" panose="02020503050405090304" pitchFamily="18" charset="0"/>
-                <a:cs typeface="Times New Roman" panose="02020503050405090304" pitchFamily="18" charset="0"/>
-              </a:endParaRPr>
             </a:p>
           </p:txBody>
         </p:sp>
@@ -12879,6 +11982,7 @@
           </p:style>
           <p:txBody>
             <a:bodyPr rtlCol="0" anchor="ctr"/>
+            <a:lstStyle/>
             <a:p>
               <a:pPr algn="ctr"/>
               <a:endParaRPr lang="en-US"/>
@@ -12905,6 +12009,7 @@
             <a:bodyPr wrap="none" rtlCol="0">
               <a:spAutoFit/>
             </a:bodyPr>
+            <a:lstStyle/>
             <a:p>
               <a:pPr algn="ctr"/>
               <a:r>
@@ -12914,10 +12019,6 @@
                 </a:rPr>
                 <a:t>Grave</a:t>
               </a:r>
-              <a:endParaRPr lang="en-US" sz="3200" b="1">
-                <a:latin typeface="Times New Roman" panose="02020503050405090304" pitchFamily="18" charset="0"/>
-                <a:cs typeface="Times New Roman" panose="02020503050405090304" pitchFamily="18" charset="0"/>
-              </a:endParaRPr>
             </a:p>
             <a:p>
               <a:pPr algn="ctr"/>
@@ -12928,10 +12029,6 @@
                 </a:rPr>
                 <a:t>Impact</a:t>
               </a:r>
-              <a:endParaRPr lang="en-US" sz="3200" b="1">
-                <a:latin typeface="Times New Roman" panose="02020503050405090304" pitchFamily="18" charset="0"/>
-                <a:cs typeface="Times New Roman" panose="02020503050405090304" pitchFamily="18" charset="0"/>
-              </a:endParaRPr>
             </a:p>
           </p:txBody>
         </p:sp>
@@ -12972,6 +12069,7 @@
           </p:style>
           <p:txBody>
             <a:bodyPr rtlCol="0" anchor="ctr"/>
+            <a:lstStyle/>
             <a:p>
               <a:pPr algn="ctr"/>
               <a:endParaRPr lang="en-US"/>
@@ -12998,6 +12096,7 @@
             <a:bodyPr wrap="none" rtlCol="0">
               <a:spAutoFit/>
             </a:bodyPr>
+            <a:lstStyle/>
             <a:p>
               <a:pPr algn="ctr"/>
               <a:r>
@@ -13007,10 +12106,6 @@
                 </a:rPr>
                 <a:t>Untapped</a:t>
               </a:r>
-              <a:endParaRPr lang="en-US" sz="3200" b="1">
-                <a:latin typeface="Times New Roman" panose="02020503050405090304" pitchFamily="18" charset="0"/>
-                <a:cs typeface="Times New Roman" panose="02020503050405090304" pitchFamily="18" charset="0"/>
-              </a:endParaRPr>
             </a:p>
             <a:p>
               <a:pPr algn="ctr"/>
@@ -13021,10 +12116,6 @@
                 </a:rPr>
                 <a:t>Potential</a:t>
               </a:r>
-              <a:endParaRPr lang="en-US" sz="3200" b="1">
-                <a:latin typeface="Times New Roman" panose="02020503050405090304" pitchFamily="18" charset="0"/>
-                <a:cs typeface="Times New Roman" panose="02020503050405090304" pitchFamily="18" charset="0"/>
-              </a:endParaRPr>
             </a:p>
           </p:txBody>
         </p:sp>
@@ -13049,6 +12140,7 @@
           <a:bodyPr wrap="square" rtlCol="0">
             <a:spAutoFit/>
           </a:bodyPr>
+          <a:lstStyle/>
           <a:p>
             <a:r>
               <a:rPr lang="en-US" b="1">
@@ -13057,10 +12149,6 @@
               </a:rPr>
               <a:t>*Untapped Potential:</a:t>
             </a:r>
-            <a:endParaRPr lang="en-US" b="1">
-              <a:latin typeface="Times New Roman" panose="02020503050405090304" pitchFamily="18" charset="0"/>
-              <a:cs typeface="Times New Roman" panose="02020503050405090304" pitchFamily="18" charset="0"/>
-            </a:endParaRPr>
           </a:p>
           <a:p>
             <a:r>
@@ -13077,10 +12165,6 @@
               </a:rPr>
               <a:t>.:Jian Liu, John Hay, and Brent E. Faught1 "The Association of Sleep Disorder, Obesity Status, and Diabetes Mellitus among US Adults—The NHANES 2009-2010 Survey Results" International Journal of Endocrinology, 2013.</a:t>
             </a:r>
-            <a:endParaRPr lang="en-US">
-              <a:latin typeface="Times New Roman" panose="02020503050405090304" pitchFamily="18" charset="0"/>
-              <a:cs typeface="Times New Roman" panose="02020503050405090304" pitchFamily="18" charset="0"/>
-            </a:endParaRPr>
           </a:p>
         </p:txBody>
       </p:sp>
@@ -13089,13 +12173,6 @@
   <p:clrMapOvr>
     <a:masterClrMapping/>
   </p:clrMapOvr>
-  <p:timing>
-    <p:tnLst>
-      <p:par>
-        <p:cTn id="1" dur="indefinite" restart="never" nodeType="tmRoot"/>
-      </p:par>
-    </p:tnLst>
-  </p:timing>
 </p:sld>
 </file>
 
@@ -13175,10 +12252,6 @@
               </a:rPr>
               <a:t>2. Project Objectives</a:t>
             </a:r>
-            <a:endParaRPr lang="en-US" sz="3200" b="1">
-              <a:latin typeface="Times New Roman" panose="02020503050405090304" pitchFamily="18" charset="0"/>
-              <a:cs typeface="Times New Roman" panose="02020503050405090304" pitchFamily="18" charset="0"/>
-            </a:endParaRPr>
           </a:p>
         </p:txBody>
       </p:sp>
@@ -13234,13 +12307,6 @@
               </a:rPr>
               <a:t>Dietary habits</a:t>
             </a:r>
-            <a:endParaRPr lang="en-US" sz="2000">
-              <a:solidFill>
-                <a:schemeClr val="tx1"/>
-              </a:solidFill>
-              <a:latin typeface="Times New Roman" panose="02020503050405090304" pitchFamily="18" charset="0"/>
-              <a:cs typeface="Times New Roman" panose="02020503050405090304" pitchFamily="18" charset="0"/>
-            </a:endParaRPr>
           </a:p>
         </p:txBody>
       </p:sp>
@@ -13296,13 +12362,6 @@
               </a:rPr>
               <a:t>Physical activity</a:t>
             </a:r>
-            <a:endParaRPr lang="en-US" sz="2000">
-              <a:solidFill>
-                <a:schemeClr val="tx1"/>
-              </a:solidFill>
-              <a:latin typeface="Times New Roman" panose="02020503050405090304" pitchFamily="18" charset="0"/>
-              <a:cs typeface="Times New Roman" panose="02020503050405090304" pitchFamily="18" charset="0"/>
-            </a:endParaRPr>
           </a:p>
         </p:txBody>
       </p:sp>
@@ -13358,13 +12417,6 @@
               </a:rPr>
               <a:t>Excessive caffeine</a:t>
             </a:r>
-            <a:endParaRPr lang="en-US" sz="2000">
-              <a:solidFill>
-                <a:schemeClr val="tx1"/>
-              </a:solidFill>
-              <a:latin typeface="Times New Roman" panose="02020503050405090304" pitchFamily="18" charset="0"/>
-              <a:cs typeface="Times New Roman" panose="02020503050405090304" pitchFamily="18" charset="0"/>
-            </a:endParaRPr>
           </a:p>
         </p:txBody>
       </p:sp>
@@ -13492,13 +12544,6 @@
               </a:rPr>
               <a:t>Smoking</a:t>
             </a:r>
-            <a:endParaRPr lang="en-US" sz="2000">
-              <a:solidFill>
-                <a:schemeClr val="tx1"/>
-              </a:solidFill>
-              <a:latin typeface="Times New Roman" panose="02020503050405090304" pitchFamily="18" charset="0"/>
-              <a:cs typeface="Times New Roman" panose="02020503050405090304" pitchFamily="18" charset="0"/>
-            </a:endParaRPr>
           </a:p>
           <a:p>
             <a:pPr algn="ctr"/>
@@ -13512,13 +12557,6 @@
               </a:rPr>
               <a:t>Alcohol</a:t>
             </a:r>
-            <a:endParaRPr lang="en-US" sz="2000">
-              <a:solidFill>
-                <a:schemeClr val="tx1"/>
-              </a:solidFill>
-              <a:latin typeface="Times New Roman" panose="02020503050405090304" pitchFamily="18" charset="0"/>
-              <a:cs typeface="Times New Roman" panose="02020503050405090304" pitchFamily="18" charset="0"/>
-            </a:endParaRPr>
           </a:p>
         </p:txBody>
       </p:sp>
@@ -13574,13 +12612,6 @@
               </a:rPr>
               <a:t>Stress anxiety</a:t>
             </a:r>
-            <a:endParaRPr lang="en-US" sz="2000">
-              <a:solidFill>
-                <a:schemeClr val="tx1"/>
-              </a:solidFill>
-              <a:latin typeface="Times New Roman" panose="02020503050405090304" pitchFamily="18" charset="0"/>
-              <a:cs typeface="Times New Roman" panose="02020503050405090304" pitchFamily="18" charset="0"/>
-            </a:endParaRPr>
           </a:p>
         </p:txBody>
       </p:sp>
@@ -13636,13 +12667,6 @@
               </a:rPr>
               <a:t>Chronic diseases</a:t>
             </a:r>
-            <a:endParaRPr lang="en-US" sz="2000">
-              <a:solidFill>
-                <a:schemeClr val="tx1"/>
-              </a:solidFill>
-              <a:latin typeface="Times New Roman" panose="02020503050405090304" pitchFamily="18" charset="0"/>
-              <a:cs typeface="Times New Roman" panose="02020503050405090304" pitchFamily="18" charset="0"/>
-            </a:endParaRPr>
           </a:p>
         </p:txBody>
       </p:sp>
@@ -13698,13 +12722,6 @@
               </a:rPr>
               <a:t>Obesity</a:t>
             </a:r>
-            <a:endParaRPr lang="en-US" sz="2000">
-              <a:solidFill>
-                <a:schemeClr val="tx1"/>
-              </a:solidFill>
-              <a:latin typeface="Times New Roman" panose="02020503050405090304" pitchFamily="18" charset="0"/>
-              <a:cs typeface="Times New Roman" panose="02020503050405090304" pitchFamily="18" charset="0"/>
-            </a:endParaRPr>
           </a:p>
         </p:txBody>
       </p:sp>
@@ -13760,13 +12777,6 @@
               </a:rPr>
               <a:t>By embracing a</a:t>
             </a:r>
-            <a:endParaRPr lang="en-US" sz="2000">
-              <a:solidFill>
-                <a:schemeClr val="tx1"/>
-              </a:solidFill>
-              <a:latin typeface="Times New Roman" panose="02020503050405090304" pitchFamily="18" charset="0"/>
-              <a:cs typeface="Times New Roman" panose="02020503050405090304" pitchFamily="18" charset="0"/>
-            </a:endParaRPr>
           </a:p>
           <a:p>
             <a:pPr algn="ctr"/>
@@ -13790,13 +12800,6 @@
               </a:rPr>
               <a:t>,</a:t>
             </a:r>
-            <a:endParaRPr lang="en-US" sz="2000">
-              <a:solidFill>
-                <a:schemeClr val="tx1"/>
-              </a:solidFill>
-              <a:latin typeface="Times New Roman" panose="02020503050405090304" pitchFamily="18" charset="0"/>
-              <a:cs typeface="Times New Roman" panose="02020503050405090304" pitchFamily="18" charset="0"/>
-            </a:endParaRPr>
           </a:p>
           <a:p>
             <a:pPr algn="ctr"/>
@@ -13850,13 +12853,6 @@
               </a:rPr>
               <a:t> and intervention of sleep disorders</a:t>
             </a:r>
-            <a:endParaRPr lang="en-US" sz="2000">
-              <a:solidFill>
-                <a:schemeClr val="tx1"/>
-              </a:solidFill>
-              <a:latin typeface="Times New Roman" panose="02020503050405090304" pitchFamily="18" charset="0"/>
-              <a:cs typeface="Times New Roman" panose="02020503050405090304" pitchFamily="18" charset="0"/>
-            </a:endParaRPr>
           </a:p>
         </p:txBody>
       </p:sp>
@@ -13944,10 +12940,6 @@
               </a:rPr>
               <a:t>National Health and Nutrition Examination Survey (NHANES) 2015-2016 and 2017-2018</a:t>
             </a:r>
-            <a:endParaRPr lang="en-US">
-              <a:latin typeface="Times New Roman" panose="02020503050405090304" pitchFamily="18" charset="0"/>
-              <a:cs typeface="Times New Roman" panose="02020503050405090304" pitchFamily="18" charset="0"/>
-            </a:endParaRPr>
           </a:p>
         </p:txBody>
       </p:sp>
@@ -13980,10 +12972,6 @@
               </a:rPr>
               <a:t>3. Dataset and Features Selection</a:t>
             </a:r>
-            <a:endParaRPr lang="en-US" sz="3200" b="1">
-              <a:latin typeface="Times New Roman" panose="02020503050405090304" pitchFamily="18" charset="0"/>
-              <a:cs typeface="Times New Roman" panose="02020503050405090304" pitchFamily="18" charset="0"/>
-            </a:endParaRPr>
           </a:p>
         </p:txBody>
       </p:sp>
@@ -14020,10 +13008,6 @@
               </a:rPr>
               <a:t>Dataset</a:t>
             </a:r>
-            <a:endParaRPr lang="en-US" sz="2000" b="1">
-              <a:latin typeface="Times New Roman" panose="02020503050405090304" pitchFamily="18" charset="0"/>
-              <a:cs typeface="Times New Roman" panose="02020503050405090304" pitchFamily="18" charset="0"/>
-            </a:endParaRPr>
           </a:p>
         </p:txBody>
       </p:sp>
@@ -14060,10 +13044,6 @@
               </a:rPr>
               <a:t>How to define the “sleep disorders” labels?</a:t>
             </a:r>
-            <a:endParaRPr lang="en-US" sz="2000" b="1">
-              <a:latin typeface="Times New Roman" panose="02020503050405090304" pitchFamily="18" charset="0"/>
-              <a:cs typeface="Times New Roman" panose="02020503050405090304" pitchFamily="18" charset="0"/>
-            </a:endParaRPr>
           </a:p>
         </p:txBody>
       </p:sp>
@@ -14096,10 +13076,6 @@
               </a:rPr>
               <a:t>The ICSD-2 lists the 81 disorders major sleep disorders in 8 major categories:</a:t>
             </a:r>
-            <a:endParaRPr lang="en-US">
-              <a:latin typeface="Times New Roman" panose="02020503050405090304" pitchFamily="18" charset="0"/>
-              <a:cs typeface="Times New Roman" panose="02020503050405090304" pitchFamily="18" charset="0"/>
-            </a:endParaRPr>
           </a:p>
           <a:p>
             <a:r>
@@ -14155,16 +13131,6 @@
               </a:rPr>
               <a:t> of central origin, The circadian rhythm sleep disorders, The parasomnias, The sleep-related movement disorders, Isolated symptoms, Others.</a:t>
             </a:r>
-            <a:endParaRPr lang="en-US">
-              <a:solidFill>
-                <a:schemeClr val="tx1">
-                  <a:lumMod val="50000"/>
-                  <a:lumOff val="50000"/>
-                </a:schemeClr>
-              </a:solidFill>
-              <a:latin typeface="Times New Roman" panose="02020503050405090304" pitchFamily="18" charset="0"/>
-              <a:cs typeface="Times New Roman" panose="02020503050405090304" pitchFamily="18" charset="0"/>
-            </a:endParaRPr>
           </a:p>
         </p:txBody>
       </p:sp>
@@ -14187,9 +13153,27 @@
                 <a:tableStyleId>{5C22544A-7EE6-4342-B048-85BDC9FD1C3A}</a:tableStyleId>
               </a:tblPr>
               <a:tblGrid>
-                <a:gridCol w="3550436"/>
-                <a:gridCol w="3341847"/>
-                <a:gridCol w="3087379"/>
+                <a:gridCol w="3550436">
+                  <a:extLst>
+                    <a:ext uri="{9D8B030D-6E8A-4147-A177-3AD203B41FA5}">
+                      <a16:colId xmlns:a16="http://schemas.microsoft.com/office/drawing/2014/main" val="20000"/>
+                    </a:ext>
+                  </a:extLst>
+                </a:gridCol>
+                <a:gridCol w="3341847">
+                  <a:extLst>
+                    <a:ext uri="{9D8B030D-6E8A-4147-A177-3AD203B41FA5}">
+                      <a16:colId xmlns:a16="http://schemas.microsoft.com/office/drawing/2014/main" val="20001"/>
+                    </a:ext>
+                  </a:extLst>
+                </a:gridCol>
+                <a:gridCol w="3087379">
+                  <a:extLst>
+                    <a:ext uri="{9D8B030D-6E8A-4147-A177-3AD203B41FA5}">
+                      <a16:colId xmlns:a16="http://schemas.microsoft.com/office/drawing/2014/main" val="20002"/>
+                    </a:ext>
+                  </a:extLst>
+                </a:gridCol>
               </a:tblGrid>
               <a:tr h="640080">
                 <a:tc>
@@ -14223,13 +13207,6 @@
                         </a:rPr>
                         <a:t>“Ever told a doctor you had trouble sleeping?”</a:t>
                       </a:r>
-                      <a:endParaRPr lang="en-US" b="0">
-                        <a:solidFill>
-                          <a:sysClr val="windowText" lastClr="000000"/>
-                        </a:solidFill>
-                        <a:latin typeface="Times New Roman" panose="02020503050405090304" pitchFamily="18" charset="0"/>
-                        <a:cs typeface="Times New Roman" panose="02020503050405090304" pitchFamily="18" charset="0"/>
-                      </a:endParaRPr>
                     </a:p>
                   </a:txBody>
                   <a:tcPr anchor="ctr">
@@ -14291,13 +13268,6 @@
                         </a:rPr>
                         <a:t>“How often do you snort or stop breathing?”</a:t>
                       </a:r>
-                      <a:endParaRPr lang="en-US" sz="1800" b="0">
-                        <a:solidFill>
-                          <a:sysClr val="windowText" lastClr="000000"/>
-                        </a:solidFill>
-                        <a:latin typeface="Times New Roman" panose="02020503050405090304" pitchFamily="18" charset="0"/>
-                        <a:cs typeface="Times New Roman" panose="02020503050405090304" pitchFamily="18" charset="0"/>
-                      </a:endParaRPr>
                     </a:p>
                   </a:txBody>
                   <a:tcPr anchor="ctr">
@@ -14359,13 +13329,6 @@
                         </a:rPr>
                         <a:t>Labels</a:t>
                       </a:r>
-                      <a:endParaRPr lang="en-US" sz="1800" b="0">
-                        <a:solidFill>
-                          <a:sysClr val="windowText" lastClr="000000"/>
-                        </a:solidFill>
-                        <a:latin typeface="Times New Roman" panose="02020503050405090304" pitchFamily="18" charset="0"/>
-                        <a:cs typeface="Times New Roman" panose="02020503050405090304" pitchFamily="18" charset="0"/>
-                      </a:endParaRPr>
                     </a:p>
                   </a:txBody>
                   <a:tcPr anchor="ctr">
@@ -14412,6 +13375,11 @@
                     <a:noFill/>
                   </a:tcPr>
                 </a:tc>
+                <a:extLst>
+                  <a:ext uri="{0D108BD9-81ED-4DB2-BD59-A6C34878D82A}">
+                    <a16:rowId xmlns:a16="http://schemas.microsoft.com/office/drawing/2014/main" val="10000"/>
+                  </a:ext>
+                </a:extLst>
               </a:tr>
               <a:tr h="370840">
                 <a:tc>
@@ -14429,13 +13397,6 @@
                         </a:rPr>
                         <a:t>YES</a:t>
                       </a:r>
-                      <a:endParaRPr lang="en-US" b="0">
-                        <a:solidFill>
-                          <a:sysClr val="windowText" lastClr="000000"/>
-                        </a:solidFill>
-                        <a:latin typeface="Times New Roman" panose="02020503050405090304" pitchFamily="18" charset="0"/>
-                        <a:cs typeface="Times New Roman" panose="02020503050405090304" pitchFamily="18" charset="0"/>
-                      </a:endParaRPr>
                     </a:p>
                   </a:txBody>
                   <a:tcPr anchor="ctr">
@@ -14495,13 +13456,6 @@
                         </a:rPr>
                         <a:t>YES</a:t>
                       </a:r>
-                      <a:endParaRPr lang="en-US" b="0">
-                        <a:solidFill>
-                          <a:sysClr val="windowText" lastClr="000000"/>
-                        </a:solidFill>
-                        <a:latin typeface="Times New Roman" panose="02020503050405090304" pitchFamily="18" charset="0"/>
-                        <a:cs typeface="Times New Roman" panose="02020503050405090304" pitchFamily="18" charset="0"/>
-                      </a:endParaRPr>
                     </a:p>
                   </a:txBody>
                   <a:tcPr anchor="ctr">
@@ -14632,6 +13586,11 @@
                     <a:noFill/>
                   </a:tcPr>
                 </a:tc>
+                <a:extLst>
+                  <a:ext uri="{0D108BD9-81ED-4DB2-BD59-A6C34878D82A}">
+                    <a16:rowId xmlns:a16="http://schemas.microsoft.com/office/drawing/2014/main" val="10001"/>
+                  </a:ext>
+                </a:extLst>
               </a:tr>
               <a:tr h="370840">
                 <a:tc>
@@ -14649,13 +13608,6 @@
                         </a:rPr>
                         <a:t>YES</a:t>
                       </a:r>
-                      <a:endParaRPr lang="en-US" b="0">
-                        <a:solidFill>
-                          <a:sysClr val="windowText" lastClr="000000"/>
-                        </a:solidFill>
-                        <a:latin typeface="Times New Roman" panose="02020503050405090304" pitchFamily="18" charset="0"/>
-                        <a:cs typeface="Times New Roman" panose="02020503050405090304" pitchFamily="18" charset="0"/>
-                      </a:endParaRPr>
                     </a:p>
                   </a:txBody>
                   <a:tcPr anchor="ctr">
@@ -14713,13 +13665,6 @@
                         </a:rPr>
                         <a:t>NO</a:t>
                       </a:r>
-                      <a:endParaRPr lang="en-US" b="0">
-                        <a:solidFill>
-                          <a:sysClr val="windowText" lastClr="000000"/>
-                        </a:solidFill>
-                        <a:latin typeface="Times New Roman" panose="02020503050405090304" pitchFamily="18" charset="0"/>
-                        <a:cs typeface="Times New Roman" panose="02020503050405090304" pitchFamily="18" charset="0"/>
-                      </a:endParaRPr>
                     </a:p>
                   </a:txBody>
                   <a:tcPr anchor="ctr">
@@ -14763,8 +13708,20 @@
                   </a:tcPr>
                 </a:tc>
                 <a:tc vMerge="1">
+                  <a:txBody>
+                    <a:bodyPr/>
+                    <a:lstStyle/>
+                    <a:p>
+                      <a:endParaRPr lang="en-US"/>
+                    </a:p>
+                  </a:txBody>
                   <a:tcPr/>
                 </a:tc>
+                <a:extLst>
+                  <a:ext uri="{0D108BD9-81ED-4DB2-BD59-A6C34878D82A}">
+                    <a16:rowId xmlns:a16="http://schemas.microsoft.com/office/drawing/2014/main" val="10002"/>
+                  </a:ext>
+                </a:extLst>
               </a:tr>
               <a:tr h="370840">
                 <a:tc>
@@ -14782,13 +13739,6 @@
                         </a:rPr>
                         <a:t>NO</a:t>
                       </a:r>
-                      <a:endParaRPr lang="en-US" b="0">
-                        <a:solidFill>
-                          <a:sysClr val="windowText" lastClr="000000"/>
-                        </a:solidFill>
-                        <a:latin typeface="Times New Roman" panose="02020503050405090304" pitchFamily="18" charset="0"/>
-                        <a:cs typeface="Times New Roman" panose="02020503050405090304" pitchFamily="18" charset="0"/>
-                      </a:endParaRPr>
                     </a:p>
                   </a:txBody>
                   <a:tcPr anchor="ctr">
@@ -14848,13 +13798,6 @@
                         </a:rPr>
                         <a:t>YES</a:t>
                       </a:r>
-                      <a:endParaRPr lang="en-US" b="0">
-                        <a:solidFill>
-                          <a:sysClr val="windowText" lastClr="000000"/>
-                        </a:solidFill>
-                        <a:latin typeface="Times New Roman" panose="02020503050405090304" pitchFamily="18" charset="0"/>
-                        <a:cs typeface="Times New Roman" panose="02020503050405090304" pitchFamily="18" charset="0"/>
-                      </a:endParaRPr>
                     </a:p>
                   </a:txBody>
                   <a:tcPr anchor="ctr">
@@ -14900,8 +13843,20 @@
                   </a:tcPr>
                 </a:tc>
                 <a:tc vMerge="1">
+                  <a:txBody>
+                    <a:bodyPr/>
+                    <a:lstStyle/>
+                    <a:p>
+                      <a:endParaRPr lang="en-US"/>
+                    </a:p>
+                  </a:txBody>
                   <a:tcPr/>
                 </a:tc>
+                <a:extLst>
+                  <a:ext uri="{0D108BD9-81ED-4DB2-BD59-A6C34878D82A}">
+                    <a16:rowId xmlns:a16="http://schemas.microsoft.com/office/drawing/2014/main" val="10003"/>
+                  </a:ext>
+                </a:extLst>
               </a:tr>
               <a:tr h="370840">
                 <a:tc>
@@ -14919,13 +13874,6 @@
                         </a:rPr>
                         <a:t>NO</a:t>
                       </a:r>
-                      <a:endParaRPr lang="en-US" b="0">
-                        <a:solidFill>
-                          <a:sysClr val="windowText" lastClr="000000"/>
-                        </a:solidFill>
-                        <a:latin typeface="Times New Roman" panose="02020503050405090304" pitchFamily="18" charset="0"/>
-                        <a:cs typeface="Times New Roman" panose="02020503050405090304" pitchFamily="18" charset="0"/>
-                      </a:endParaRPr>
                     </a:p>
                   </a:txBody>
                   <a:tcPr anchor="ctr">
@@ -14987,13 +13935,6 @@
                         </a:rPr>
                         <a:t>NO</a:t>
                       </a:r>
-                      <a:endParaRPr lang="en-US" b="0">
-                        <a:solidFill>
-                          <a:sysClr val="windowText" lastClr="000000"/>
-                        </a:solidFill>
-                        <a:latin typeface="Times New Roman" panose="02020503050405090304" pitchFamily="18" charset="0"/>
-                        <a:cs typeface="Times New Roman" panose="02020503050405090304" pitchFamily="18" charset="0"/>
-                      </a:endParaRPr>
                     </a:p>
                   </a:txBody>
                   <a:tcPr anchor="ctr">
@@ -15110,6 +14051,11 @@
                     <a:noFill/>
                   </a:tcPr>
                 </a:tc>
+                <a:extLst>
+                  <a:ext uri="{0D108BD9-81ED-4DB2-BD59-A6C34878D82A}">
+                    <a16:rowId xmlns:a16="http://schemas.microsoft.com/office/drawing/2014/main" val="10004"/>
+                  </a:ext>
+                </a:extLst>
               </a:tr>
             </a:tbl>
           </a:graphicData>
@@ -15199,10 +14145,6 @@
               </a:rPr>
               <a:t>3. Dataset and Features Selection</a:t>
             </a:r>
-            <a:endParaRPr lang="en-US" sz="3200" b="1">
-              <a:latin typeface="Times New Roman" panose="02020503050405090304" pitchFamily="18" charset="0"/>
-              <a:cs typeface="Times New Roman" panose="02020503050405090304" pitchFamily="18" charset="0"/>
-            </a:endParaRPr>
           </a:p>
         </p:txBody>
       </p:sp>
@@ -15215,7 +14157,7 @@
           <p:nvPr/>
         </p:nvPicPr>
         <p:blipFill rotWithShape="1">
-          <a:blip r:embed="rId1"/>
+          <a:blip r:embed="rId3"/>
           <a:srcRect b="3022"/>
           <a:stretch>
             <a:fillRect/>
@@ -15260,18 +14202,14 @@
               </a:rPr>
               <a:t>Some connections between observable habits and the underlying factors contributing to sleep disorders.</a:t>
             </a:r>
+          </a:p>
+          <a:p>
             <a:endParaRPr lang="en-US">
               <a:latin typeface="Times New Roman" panose="02020503050405090304" pitchFamily="18" charset="0"/>
               <a:cs typeface="Times New Roman" panose="02020503050405090304" pitchFamily="18" charset="0"/>
             </a:endParaRPr>
           </a:p>
           <a:p>
-            <a:endParaRPr lang="en-US">
-              <a:latin typeface="Times New Roman" panose="02020503050405090304" pitchFamily="18" charset="0"/>
-              <a:cs typeface="Times New Roman" panose="02020503050405090304" pitchFamily="18" charset="0"/>
-            </a:endParaRPr>
-          </a:p>
-          <a:p>
             <a:r>
               <a:rPr lang="en-US">
                 <a:latin typeface="Times New Roman" panose="02020503050405090304" pitchFamily="18" charset="0"/>
@@ -15279,10 +14217,6 @@
               </a:rPr>
               <a:t>E.g.: How do we discern which dietary habits may influence or contribute to sleep disorders? </a:t>
             </a:r>
-            <a:endParaRPr lang="en-US">
-              <a:latin typeface="Times New Roman" panose="02020503050405090304" pitchFamily="18" charset="0"/>
-              <a:cs typeface="Times New Roman" panose="02020503050405090304" pitchFamily="18" charset="0"/>
-            </a:endParaRPr>
           </a:p>
         </p:txBody>
       </p:sp>
@@ -15319,10 +14253,6 @@
               </a:rPr>
               <a:t>DAG analysis</a:t>
             </a:r>
-            <a:endParaRPr lang="en-US" sz="2000" b="1">
-              <a:latin typeface="Times New Roman" panose="02020503050405090304" pitchFamily="18" charset="0"/>
-              <a:cs typeface="Times New Roman" panose="02020503050405090304" pitchFamily="18" charset="0"/>
-            </a:endParaRPr>
           </a:p>
         </p:txBody>
       </p:sp>
@@ -15585,6 +14515,8 @@
       </a:bgFillStyleLst>
     </a:fmtScheme>
   </a:themeElements>
+  <a:objectDefaults/>
+  <a:extraClrSchemeLst/>
   <a:extLst>
     <a:ext uri="{05A4C25C-085E-4340-85A3-A5531E510DB2}">
       <thm15:themeFamily xmlns:thm15="http://schemas.microsoft.com/office/thememl/2012/main" name="Office Theme" id="{62F939B6-93AF-4DB8-9C6B-D6C7DFDC589F}" vid="{4A3C46E8-61CC-4603-A589-7422A47A8E4A}"/>
@@ -15844,6 +14776,8 @@
       </a:bgFillStyleLst>
     </a:fmtScheme>
   </a:themeElements>
+  <a:objectDefaults/>
+  <a:extraClrSchemeLst/>
   <a:extLst>
     <a:ext uri="{05A4C25C-085E-4340-85A3-A5531E510DB2}">
       <thm15:themeFamily xmlns:thm15="http://schemas.microsoft.com/office/thememl/2012/main" name="Office Theme" id="{62F939B6-93AF-4DB8-9C6B-D6C7DFDC589F}" vid="{4A3C46E8-61CC-4603-A589-7422A47A8E4A}"/>
